--- a/presentation/PresentazionePPW.pptx
+++ b/presentation/PresentazionePPW.pptx
@@ -12207,8 +12207,8 @@
         </p:nvSpPr>
         <p:spPr>
           <a:xfrm>
-            <a:off x="3809912" y="4653651"/>
-            <a:ext cx="1540500" cy="293863"/>
+            <a:off x="3793589" y="4653651"/>
+            <a:ext cx="1564602" cy="295337"/>
           </a:xfrm>
           <a:prstGeom prst="rect">
             <a:avLst/>
@@ -12231,7 +12231,7 @@
                 <a:ea typeface="Roboto Light" charset="0"/>
                 <a:cs typeface="Roboto Light" charset="0"/>
               </a:rPr>
-              <a:t>Developer</a:t>
+              <a:t>Repository Manager</a:t>
             </a:r>
             <a:endParaRPr lang="en-US" sz="1050" i="1" dirty="0">
               <a:latin typeface="Raleway" panose="020B0503030101060003" pitchFamily="34" charset="0"/>
@@ -12327,7 +12327,7 @@
                 <a:ea typeface="Roboto Light" charset="0"/>
                 <a:cs typeface="Roboto Light" charset="0"/>
               </a:rPr>
-              <a:t>Copywriter</a:t>
+              <a:t>Technical writer</a:t>
             </a:r>
             <a:endParaRPr lang="en-US" sz="1050" i="1" dirty="0">
               <a:latin typeface="Raleway" panose="020B0503030101060003" pitchFamily="34" charset="0"/>

--- a/presentation/PresentazionePPW.pptx
+++ b/presentation/PresentazionePPW.pptx
@@ -8,23 +8,24 @@
     <p:sldMasterId id="2147483735" r:id="rId4"/>
   </p:sldMasterIdLst>
   <p:notesMasterIdLst>
-    <p:notesMasterId r:id="rId19"/>
+    <p:notesMasterId r:id="rId20"/>
   </p:notesMasterIdLst>
   <p:sldIdLst>
     <p:sldId id="498" r:id="rId5"/>
     <p:sldId id="494" r:id="rId6"/>
     <p:sldId id="362" r:id="rId7"/>
-    <p:sldId id="416" r:id="rId8"/>
-    <p:sldId id="501" r:id="rId9"/>
-    <p:sldId id="495" r:id="rId10"/>
-    <p:sldId id="502" r:id="rId11"/>
-    <p:sldId id="504" r:id="rId12"/>
-    <p:sldId id="503" r:id="rId13"/>
-    <p:sldId id="507" r:id="rId14"/>
-    <p:sldId id="505" r:id="rId15"/>
-    <p:sldId id="506" r:id="rId16"/>
-    <p:sldId id="496" r:id="rId17"/>
-    <p:sldId id="493" r:id="rId18"/>
+    <p:sldId id="508" r:id="rId8"/>
+    <p:sldId id="416" r:id="rId9"/>
+    <p:sldId id="501" r:id="rId10"/>
+    <p:sldId id="495" r:id="rId11"/>
+    <p:sldId id="502" r:id="rId12"/>
+    <p:sldId id="504" r:id="rId13"/>
+    <p:sldId id="503" r:id="rId14"/>
+    <p:sldId id="507" r:id="rId15"/>
+    <p:sldId id="505" r:id="rId16"/>
+    <p:sldId id="506" r:id="rId17"/>
+    <p:sldId id="496" r:id="rId18"/>
+    <p:sldId id="493" r:id="rId19"/>
   </p:sldIdLst>
   <p:sldSz cx="9144000" cy="6858000" type="screen4x3"/>
   <p:notesSz cx="6858000" cy="9144000"/>
@@ -135,6 +136,7 @@
           <p14:sldIdLst>
             <p14:sldId id="494"/>
             <p14:sldId id="362"/>
+            <p14:sldId id="508"/>
           </p14:sldIdLst>
         </p14:section>
         <p14:section name="Funzionalità" id="{FF85371E-4B1F-4017-B21A-78410701F63B}">
@@ -274,7 +276,7 @@
           <a:p>
             <a:fld id="{EF3E2D55-D778-AF4A-8B1C-E3ACFFEFA0CD}" type="datetimeFigureOut">
               <a:rPr lang="en-US" smtClean="0"/>
-              <a:t>2/20/2020</a:t>
+              <a:t>2/23/2020</a:t>
             </a:fld>
             <a:endParaRPr lang="en-US"/>
           </a:p>
@@ -612,7 +614,7 @@
           <a:p>
             <a:fld id="{250503B6-F4CD-DE49-AB30-479371E8558D}" type="slidenum">
               <a:rPr lang="en-US" smtClean="0"/>
-              <a:t>4</a:t>
+              <a:t>5</a:t>
             </a:fld>
             <a:endParaRPr lang="en-US"/>
           </a:p>
@@ -696,7 +698,7 @@
           <a:p>
             <a:fld id="{250503B6-F4CD-DE49-AB30-479371E8558D}" type="slidenum">
               <a:rPr lang="en-US" smtClean="0"/>
-              <a:t>7</a:t>
+              <a:t>8</a:t>
             </a:fld>
             <a:endParaRPr lang="en-US"/>
           </a:p>
@@ -780,7 +782,7 @@
           <a:p>
             <a:fld id="{250503B6-F4CD-DE49-AB30-479371E8558D}" type="slidenum">
               <a:rPr lang="en-US" smtClean="0"/>
-              <a:t>9</a:t>
+              <a:t>10</a:t>
             </a:fld>
             <a:endParaRPr lang="en-US"/>
           </a:p>
@@ -908,7 +910,7 @@
           <a:p>
             <a:fld id="{250503B6-F4CD-DE49-AB30-479371E8558D}" type="slidenum">
               <a:rPr lang="en-US" smtClean="0"/>
-              <a:t>12</a:t>
+              <a:t>13</a:t>
             </a:fld>
             <a:endParaRPr lang="en-US"/>
           </a:p>
@@ -2663,7 +2665,7 @@
           <a:p>
             <a:fld id="{C764DE79-268F-4C1A-8933-263129D2AF90}" type="datetimeFigureOut">
               <a:rPr lang="en-US" dirty="0"/>
-              <a:t>2/20/2020</a:t>
+              <a:t>2/23/2020</a:t>
             </a:fld>
             <a:endParaRPr lang="en-US" dirty="0"/>
           </a:p>
@@ -2834,7 +2836,7 @@
           <a:p>
             <a:fld id="{C764DE79-268F-4C1A-8933-263129D2AF90}" type="datetimeFigureOut">
               <a:rPr lang="en-US" dirty="0"/>
-              <a:t>2/20/2020</a:t>
+              <a:t>2/23/2020</a:t>
             </a:fld>
             <a:endParaRPr lang="en-US" dirty="0"/>
           </a:p>
@@ -3079,7 +3081,7 @@
           <a:p>
             <a:fld id="{C764DE79-268F-4C1A-8933-263129D2AF90}" type="datetimeFigureOut">
               <a:rPr lang="en-US" dirty="0"/>
-              <a:t>2/20/2020</a:t>
+              <a:t>2/23/2020</a:t>
             </a:fld>
             <a:endParaRPr lang="en-US" dirty="0"/>
           </a:p>
@@ -3312,7 +3314,7 @@
           <a:p>
             <a:fld id="{C764DE79-268F-4C1A-8933-263129D2AF90}" type="datetimeFigureOut">
               <a:rPr lang="en-US" dirty="0"/>
-              <a:t>2/20/2020</a:t>
+              <a:t>2/23/2020</a:t>
             </a:fld>
             <a:endParaRPr lang="en-US" dirty="0"/>
           </a:p>
@@ -3680,7 +3682,7 @@
           <a:p>
             <a:fld id="{C764DE79-268F-4C1A-8933-263129D2AF90}" type="datetimeFigureOut">
               <a:rPr lang="en-US" dirty="0"/>
-              <a:t>2/20/2020</a:t>
+              <a:t>2/23/2020</a:t>
             </a:fld>
             <a:endParaRPr lang="en-US" dirty="0"/>
           </a:p>
@@ -3799,7 +3801,7 @@
           <a:p>
             <a:fld id="{C764DE79-268F-4C1A-8933-263129D2AF90}" type="datetimeFigureOut">
               <a:rPr lang="en-US" dirty="0"/>
-              <a:t>2/20/2020</a:t>
+              <a:t>2/23/2020</a:t>
             </a:fld>
             <a:endParaRPr lang="en-US" dirty="0"/>
           </a:p>
@@ -4258,7 +4260,7 @@
           <a:p>
             <a:fld id="{C764DE79-268F-4C1A-8933-263129D2AF90}" type="datetimeFigureOut">
               <a:rPr lang="en-US" dirty="0"/>
-              <a:t>2/20/2020</a:t>
+              <a:t>2/23/2020</a:t>
             </a:fld>
             <a:endParaRPr lang="en-US" dirty="0"/>
           </a:p>
@@ -4536,7 +4538,7 @@
           <a:p>
             <a:fld id="{C764DE79-268F-4C1A-8933-263129D2AF90}" type="datetimeFigureOut">
               <a:rPr lang="en-US" dirty="0"/>
-              <a:t>2/20/2020</a:t>
+              <a:t>2/23/2020</a:t>
             </a:fld>
             <a:endParaRPr lang="en-US" dirty="0"/>
           </a:p>
@@ -4794,7 +4796,7 @@
           <a:p>
             <a:fld id="{C764DE79-268F-4C1A-8933-263129D2AF90}" type="datetimeFigureOut">
               <a:rPr lang="en-US" dirty="0"/>
-              <a:t>2/20/2020</a:t>
+              <a:t>2/23/2020</a:t>
             </a:fld>
             <a:endParaRPr lang="en-US" dirty="0"/>
           </a:p>
@@ -4965,7 +4967,7 @@
           <a:p>
             <a:fld id="{C764DE79-268F-4C1A-8933-263129D2AF90}" type="datetimeFigureOut">
               <a:rPr lang="en-US" dirty="0"/>
-              <a:t>2/20/2020</a:t>
+              <a:t>2/23/2020</a:t>
             </a:fld>
             <a:endParaRPr lang="en-US" dirty="0"/>
           </a:p>
@@ -5146,7 +5148,7 @@
           <a:p>
             <a:fld id="{C764DE79-268F-4C1A-8933-263129D2AF90}" type="datetimeFigureOut">
               <a:rPr lang="en-US" dirty="0"/>
-              <a:t>2/20/2020</a:t>
+              <a:t>2/23/2020</a:t>
             </a:fld>
             <a:endParaRPr lang="en-US" dirty="0"/>
           </a:p>
@@ -9381,7 +9383,7 @@
           <a:p>
             <a:fld id="{C764DE79-268F-4C1A-8933-263129D2AF90}" type="datetimeFigureOut">
               <a:rPr lang="en-US" dirty="0"/>
-              <a:t>2/20/2020</a:t>
+              <a:t>2/23/2020</a:t>
             </a:fld>
             <a:endParaRPr lang="en-US" dirty="0"/>
           </a:p>
@@ -10035,7 +10037,19 @@
               <a:rPr lang="it-IT" dirty="0">
                 <a:latin typeface="Raleway" panose="020B0503030101060003" pitchFamily="34" charset="0"/>
               </a:rPr>
-              <a:t>Classi «formattatori» di report</a:t>
+              <a:t>Oggetto </a:t>
+            </a:r>
+            <a:r>
+              <a:rPr lang="it-IT" dirty="0" err="1">
+                <a:latin typeface="Raleway" panose="020B0503030101060003" pitchFamily="34" charset="0"/>
+              </a:rPr>
+              <a:t>façade</a:t>
+            </a:r>
+            <a:r>
+              <a:rPr lang="it-IT" dirty="0">
+                <a:latin typeface="Raleway" panose="020B0503030101060003" pitchFamily="34" charset="0"/>
+              </a:rPr>
+              <a:t> per la gestione delle analisi</a:t>
             </a:r>
           </a:p>
         </p:txBody>
@@ -10065,6 +10079,498 @@
               <a:rPr lang="en-US" smtClean="0"/>
               <a:pPr/>
               <a:t>10</a:t>
+            </a:fld>
+            <a:endParaRPr lang="en-US" dirty="0"/>
+          </a:p>
+        </p:txBody>
+      </p:sp>
+      <p:sp>
+        <p:nvSpPr>
+          <p:cNvPr id="6" name="Titolo 1">
+            <a:extLst>
+              <a:ext uri="{FF2B5EF4-FFF2-40B4-BE49-F238E27FC236}">
+                <a16:creationId xmlns:a16="http://schemas.microsoft.com/office/drawing/2014/main" id="{BA907758-C83D-447A-8484-FE6423F0D184}"/>
+              </a:ext>
+            </a:extLst>
+          </p:cNvPr>
+          <p:cNvSpPr txBox="1">
+            <a:spLocks/>
+          </p:cNvSpPr>
+          <p:nvPr/>
+        </p:nvSpPr>
+        <p:spPr>
+          <a:xfrm>
+            <a:off x="395206" y="573317"/>
+            <a:ext cx="8422816" cy="431020"/>
+          </a:xfrm>
+          <a:prstGeom prst="rect">
+            <a:avLst/>
+          </a:prstGeom>
+        </p:spPr>
+        <p:txBody>
+          <a:bodyPr/>
+          <a:lstStyle>
+            <a:lvl1pPr algn="l" defTabSz="685783" rtl="0" eaLnBrk="1" latinLnBrk="0" hangingPunct="1">
+              <a:lnSpc>
+                <a:spcPct val="90000"/>
+              </a:lnSpc>
+              <a:spcBef>
+                <a:spcPct val="0"/>
+              </a:spcBef>
+              <a:buNone/>
+              <a:defRPr sz="3300" kern="1200">
+                <a:solidFill>
+                  <a:schemeClr val="tx1"/>
+                </a:solidFill>
+                <a:latin typeface="+mj-lt"/>
+                <a:ea typeface="+mj-ea"/>
+                <a:cs typeface="+mj-cs"/>
+              </a:defRPr>
+            </a:lvl1pPr>
+          </a:lstStyle>
+          <a:p>
+            <a:endParaRPr lang="it-IT" sz="1800" dirty="0">
+              <a:solidFill>
+                <a:schemeClr val="bg1"/>
+              </a:solidFill>
+              <a:latin typeface="Raleway" panose="020B0503030101060003"/>
+            </a:endParaRPr>
+          </a:p>
+        </p:txBody>
+      </p:sp>
+      <p:sp>
+        <p:nvSpPr>
+          <p:cNvPr id="19" name="TextBox 37">
+            <a:extLst>
+              <a:ext uri="{FF2B5EF4-FFF2-40B4-BE49-F238E27FC236}">
+                <a16:creationId xmlns:a16="http://schemas.microsoft.com/office/drawing/2014/main" id="{21E36742-719E-44B2-A053-6696AE06980A}"/>
+              </a:ext>
+            </a:extLst>
+          </p:cNvPr>
+          <p:cNvSpPr txBox="1"/>
+          <p:nvPr/>
+        </p:nvSpPr>
+        <p:spPr>
+          <a:xfrm>
+            <a:off x="4664252" y="2490905"/>
+            <a:ext cx="3796998" cy="2246769"/>
+          </a:xfrm>
+          <a:prstGeom prst="rect">
+            <a:avLst/>
+          </a:prstGeom>
+          <a:noFill/>
+        </p:spPr>
+        <p:txBody>
+          <a:bodyPr wrap="square" rtlCol="0">
+            <a:spAutoFit/>
+          </a:bodyPr>
+          <a:lstStyle/>
+          <a:p>
+            <a:r>
+              <a:rPr lang="it-IT" sz="1400" dirty="0">
+                <a:solidFill>
+                  <a:schemeClr val="bg1">
+                    <a:lumMod val="65000"/>
+                  </a:schemeClr>
+                </a:solidFill>
+                <a:latin typeface="Raleway"/>
+                <a:ea typeface="Roboto Light" charset="0"/>
+                <a:cs typeface="Roboto Light" charset="0"/>
+              </a:rPr>
+              <a:t>Si è progettato una classe </a:t>
+            </a:r>
+            <a:r>
+              <a:rPr lang="it-IT" sz="1400" dirty="0" err="1">
+                <a:solidFill>
+                  <a:schemeClr val="bg1">
+                    <a:lumMod val="65000"/>
+                  </a:schemeClr>
+                </a:solidFill>
+                <a:latin typeface="Raleway"/>
+                <a:ea typeface="Roboto Light" charset="0"/>
+                <a:cs typeface="Roboto Light" charset="0"/>
+              </a:rPr>
+              <a:t>façade</a:t>
+            </a:r>
+            <a:r>
+              <a:rPr lang="it-IT" sz="1400" dirty="0">
+                <a:solidFill>
+                  <a:schemeClr val="bg1">
+                    <a:lumMod val="65000"/>
+                  </a:schemeClr>
+                </a:solidFill>
+                <a:latin typeface="Raleway"/>
+                <a:ea typeface="Roboto Light" charset="0"/>
+                <a:cs typeface="Roboto Light" charset="0"/>
+              </a:rPr>
+              <a:t> che semplifica drasticamente l’interfacciamento al motore di intelligenza artificiale.</a:t>
+            </a:r>
+          </a:p>
+          <a:p>
+            <a:endParaRPr lang="it-IT" sz="1400" dirty="0">
+              <a:solidFill>
+                <a:schemeClr val="bg1">
+                  <a:lumMod val="65000"/>
+                </a:schemeClr>
+              </a:solidFill>
+              <a:latin typeface="Raleway"/>
+              <a:ea typeface="Roboto Light" charset="0"/>
+              <a:cs typeface="Roboto Light" charset="0"/>
+            </a:endParaRPr>
+          </a:p>
+          <a:p>
+            <a:r>
+              <a:rPr lang="it-IT" sz="1400" dirty="0">
+                <a:solidFill>
+                  <a:schemeClr val="bg1">
+                    <a:lumMod val="65000"/>
+                  </a:schemeClr>
+                </a:solidFill>
+                <a:latin typeface="Raleway"/>
+                <a:ea typeface="Roboto Light" charset="0"/>
+                <a:cs typeface="Roboto Light" charset="0"/>
+              </a:rPr>
+              <a:t>Questa classe introduce inoltre una indipendenza dalle API usate per l’analisi dei video tale da permettere di modificare l’intera componente di analisi senza apportare la benché minima modifica in altre porzioni del sistema.</a:t>
+            </a:r>
+          </a:p>
+        </p:txBody>
+      </p:sp>
+      <p:graphicFrame>
+        <p:nvGraphicFramePr>
+          <p:cNvPr id="11" name="Tabella 11">
+            <a:extLst>
+              <a:ext uri="{FF2B5EF4-FFF2-40B4-BE49-F238E27FC236}">
+                <a16:creationId xmlns:a16="http://schemas.microsoft.com/office/drawing/2014/main" id="{FF382478-B1BA-4DF2-A792-F7FDCC6C7E51}"/>
+              </a:ext>
+            </a:extLst>
+          </p:cNvPr>
+          <p:cNvGraphicFramePr>
+            <a:graphicFrameLocks noGrp="1"/>
+          </p:cNvGraphicFramePr>
+          <p:nvPr>
+            <p:extLst>
+              <p:ext uri="{D42A27DB-BD31-4B8C-83A1-F6EECF244321}">
+                <p14:modId xmlns:p14="http://schemas.microsoft.com/office/powerpoint/2010/main" val="2990224573"/>
+              </p:ext>
+            </p:extLst>
+          </p:nvPr>
+        </p:nvGraphicFramePr>
+        <p:xfrm>
+          <a:off x="787092" y="2136941"/>
+          <a:ext cx="3316823" cy="2954695"/>
+        </p:xfrm>
+        <a:graphic>
+          <a:graphicData uri="http://schemas.openxmlformats.org/drawingml/2006/table">
+            <a:tbl>
+              <a:tblPr firstRow="1" bandRow="1">
+                <a:tableStyleId>{2A488322-F2BA-4B5B-9748-0D474271808F}</a:tableStyleId>
+              </a:tblPr>
+              <a:tblGrid>
+                <a:gridCol w="3316823">
+                  <a:extLst>
+                    <a:ext uri="{9D8B030D-6E8A-4147-A177-3AD203B41FA5}">
+                      <a16:colId xmlns:a16="http://schemas.microsoft.com/office/drawing/2014/main" val="2962093592"/>
+                    </a:ext>
+                  </a:extLst>
+                </a:gridCol>
+              </a:tblGrid>
+              <a:tr h="408122">
+                <a:tc>
+                  <a:txBody>
+                    <a:bodyPr/>
+                    <a:lstStyle/>
+                    <a:p>
+                      <a:pPr algn="ctr"/>
+                      <a:r>
+                        <a:rPr lang="it-IT" dirty="0" err="1">
+                          <a:latin typeface="Raleway" panose="020B0503030101060003" pitchFamily="34" charset="0"/>
+                        </a:rPr>
+                        <a:t>EmotionAnalysis</a:t>
+                      </a:r>
+                      <a:endParaRPr lang="it-IT" dirty="0">
+                        <a:latin typeface="Raleway" panose="020B0503030101060003" pitchFamily="34" charset="0"/>
+                      </a:endParaRPr>
+                    </a:p>
+                  </a:txBody>
+                  <a:tcPr>
+                    <a:solidFill>
+                      <a:srgbClr val="FF9800"/>
+                    </a:solidFill>
+                  </a:tcPr>
+                </a:tc>
+                <a:extLst>
+                  <a:ext uri="{0D108BD9-81ED-4DB2-BD59-A6C34878D82A}">
+                    <a16:rowId xmlns:a16="http://schemas.microsoft.com/office/drawing/2014/main" val="2077286832"/>
+                  </a:ext>
+                </a:extLst>
+              </a:tr>
+              <a:tr h="408122">
+                <a:tc>
+                  <a:txBody>
+                    <a:bodyPr/>
+                    <a:lstStyle/>
+                    <a:p>
+                      <a:r>
+                        <a:rPr lang="it-IT" u="sng" dirty="0"/>
+                        <a:t>+ </a:t>
+                      </a:r>
+                      <a:r>
+                        <a:rPr lang="it-IT" u="sng" dirty="0" err="1"/>
+                        <a:t>FaceMode</a:t>
+                      </a:r>
+                      <a:r>
+                        <a:rPr lang="it-IT" u="sng" dirty="0"/>
+                        <a:t> : </a:t>
+                      </a:r>
+                      <a:r>
+                        <a:rPr lang="it-IT" u="sng" dirty="0" err="1"/>
+                        <a:t>enum</a:t>
+                      </a:r>
+                      <a:endParaRPr lang="it-IT" u="sng" dirty="0">
+                        <a:latin typeface="Raleway" panose="020B0503030101060003" pitchFamily="34" charset="0"/>
+                      </a:endParaRPr>
+                    </a:p>
+                  </a:txBody>
+                  <a:tcPr/>
+                </a:tc>
+                <a:extLst>
+                  <a:ext uri="{0D108BD9-81ED-4DB2-BD59-A6C34878D82A}">
+                    <a16:rowId xmlns:a16="http://schemas.microsoft.com/office/drawing/2014/main" val="4019197409"/>
+                  </a:ext>
+                </a:extLst>
+              </a:tr>
+              <a:tr h="2138451">
+                <a:tc>
+                  <a:txBody>
+                    <a:bodyPr/>
+                    <a:lstStyle/>
+                    <a:p>
+                      <a:r>
+                        <a:rPr lang="it-IT" u="sng" dirty="0"/>
+                        <a:t>+ </a:t>
+                      </a:r>
+                      <a:r>
+                        <a:rPr lang="it-IT" u="sng" dirty="0" err="1"/>
+                        <a:t>getDefaultConfiguration</a:t>
+                      </a:r>
+                      <a:r>
+                        <a:rPr lang="it-IT" u="sng" dirty="0"/>
+                        <a:t>() : Object</a:t>
+                      </a:r>
+                    </a:p>
+                    <a:p>
+                      <a:r>
+                        <a:rPr lang="it-IT" u="sng" dirty="0"/>
+                        <a:t>+ </a:t>
+                      </a:r>
+                      <a:r>
+                        <a:rPr lang="it-IT" u="sng" dirty="0" err="1"/>
+                        <a:t>analyzeVideo</a:t>
+                      </a:r>
+                      <a:r>
+                        <a:rPr lang="it-IT" u="sng" dirty="0"/>
+                        <a:t>(</a:t>
+                      </a:r>
+                      <a:r>
+                        <a:rPr lang="it-IT" u="sng" dirty="0" err="1"/>
+                        <a:t>filename</a:t>
+                      </a:r>
+                      <a:r>
+                        <a:rPr lang="it-IT" u="sng" dirty="0"/>
+                        <a:t> : </a:t>
+                      </a:r>
+                      <a:r>
+                        <a:rPr lang="it-IT" u="sng" dirty="0" err="1"/>
+                        <a:t>String</a:t>
+                      </a:r>
+                      <a:r>
+                        <a:rPr lang="it-IT" u="sng" dirty="0"/>
+                        <a:t>, </a:t>
+                      </a:r>
+                      <a:r>
+                        <a:rPr lang="it-IT" u="sng" dirty="0" err="1"/>
+                        <a:t>callback</a:t>
+                      </a:r>
+                      <a:r>
+                        <a:rPr lang="it-IT" u="sng" dirty="0"/>
+                        <a:t> : </a:t>
+                      </a:r>
+                      <a:r>
+                        <a:rPr lang="it-IT" u="sng" dirty="0" err="1"/>
+                        <a:t>Callback</a:t>
+                      </a:r>
+                      <a:r>
+                        <a:rPr lang="it-IT" u="sng" dirty="0"/>
+                        <a:t>, options: Object) : </a:t>
+                      </a:r>
+                      <a:r>
+                        <a:rPr lang="it-IT" u="sng" dirty="0" err="1"/>
+                        <a:t>void</a:t>
+                      </a:r>
+                      <a:endParaRPr lang="it-IT" u="sng" dirty="0"/>
+                    </a:p>
+                    <a:p>
+                      <a:r>
+                        <a:rPr lang="it-IT" u="sng" dirty="0"/>
+                        <a:t>+ </a:t>
+                      </a:r>
+                      <a:r>
+                        <a:rPr lang="it-IT" u="sng" dirty="0" err="1"/>
+                        <a:t>analyzeCamera</a:t>
+                      </a:r>
+                      <a:r>
+                        <a:rPr lang="it-IT" u="sng" dirty="0"/>
+                        <a:t>(</a:t>
+                      </a:r>
+                      <a:r>
+                        <a:rPr lang="it-IT" u="sng" dirty="0" err="1"/>
+                        <a:t>callback</a:t>
+                      </a:r>
+                      <a:r>
+                        <a:rPr lang="it-IT" u="sng" dirty="0"/>
+                        <a:t> : </a:t>
+                      </a:r>
+                      <a:r>
+                        <a:rPr lang="it-IT" u="sng" dirty="0" err="1"/>
+                        <a:t>Callback</a:t>
+                      </a:r>
+                      <a:r>
+                        <a:rPr lang="it-IT" u="sng" dirty="0"/>
+                        <a:t>, options : Object) : Object</a:t>
+                      </a:r>
+                    </a:p>
+                    <a:p>
+                      <a:r>
+                        <a:rPr lang="it-IT" u="sng" dirty="0"/>
+                        <a:t>+ </a:t>
+                      </a:r>
+                      <a:r>
+                        <a:rPr lang="it-IT" u="sng" dirty="0" err="1"/>
+                        <a:t>average</a:t>
+                      </a:r>
+                      <a:r>
+                        <a:rPr lang="it-IT" u="sng" dirty="0"/>
+                        <a:t>(reports : Object) : Object</a:t>
+                      </a:r>
+                    </a:p>
+                    <a:p>
+                      <a:r>
+                        <a:rPr lang="it-IT" u="sng" dirty="0"/>
+                        <a:t>+ </a:t>
+                      </a:r>
+                      <a:r>
+                        <a:rPr lang="it-IT" u="sng" dirty="0" err="1"/>
+                        <a:t>getEmotionValues</a:t>
+                      </a:r>
+                      <a:r>
+                        <a:rPr lang="it-IT" u="sng" dirty="0"/>
+                        <a:t>(report : Object | Object[]) : Object | Object[]</a:t>
+                      </a:r>
+                      <a:endParaRPr lang="it-IT" u="sng" dirty="0">
+                        <a:latin typeface="Raleway" panose="020B0503030101060003" pitchFamily="34" charset="0"/>
+                      </a:endParaRPr>
+                    </a:p>
+                  </a:txBody>
+                  <a:tcPr/>
+                </a:tc>
+                <a:extLst>
+                  <a:ext uri="{0D108BD9-81ED-4DB2-BD59-A6C34878D82A}">
+                    <a16:rowId xmlns:a16="http://schemas.microsoft.com/office/drawing/2014/main" val="1133712720"/>
+                  </a:ext>
+                </a:extLst>
+              </a:tr>
+            </a:tbl>
+          </a:graphicData>
+        </a:graphic>
+      </p:graphicFrame>
+    </p:spTree>
+    <p:extLst>
+      <p:ext uri="{BB962C8B-B14F-4D97-AF65-F5344CB8AC3E}">
+        <p14:creationId xmlns:p14="http://schemas.microsoft.com/office/powerpoint/2010/main" val="2985701101"/>
+      </p:ext>
+    </p:extLst>
+  </p:cSld>
+  <p:clrMapOvr>
+    <a:masterClrMapping/>
+  </p:clrMapOvr>
+  <p:transition spd="slow">
+    <p:push/>
+  </p:transition>
+</p:sld>
+</file>
+
+<file path=ppt/slides/slide11.xml><?xml version="1.0" encoding="utf-8"?>
+<p:sld xmlns:a="http://schemas.openxmlformats.org/drawingml/2006/main" xmlns:r="http://schemas.openxmlformats.org/officeDocument/2006/relationships" xmlns:p="http://schemas.openxmlformats.org/presentationml/2006/main">
+  <p:cSld>
+    <p:spTree>
+      <p:nvGrpSpPr>
+        <p:cNvPr id="1" name=""/>
+        <p:cNvGrpSpPr/>
+        <p:nvPr/>
+      </p:nvGrpSpPr>
+      <p:grpSpPr>
+        <a:xfrm>
+          <a:off x="0" y="0"/>
+          <a:ext cx="0" cy="0"/>
+          <a:chOff x="0" y="0"/>
+          <a:chExt cx="0" cy="0"/>
+        </a:xfrm>
+      </p:grpSpPr>
+      <p:sp>
+        <p:nvSpPr>
+          <p:cNvPr id="5" name="Titolo 4">
+            <a:extLst>
+              <a:ext uri="{FF2B5EF4-FFF2-40B4-BE49-F238E27FC236}">
+                <a16:creationId xmlns:a16="http://schemas.microsoft.com/office/drawing/2014/main" id="{9C875C3B-F22C-4344-9DC1-A939398E9463}"/>
+              </a:ext>
+            </a:extLst>
+          </p:cNvPr>
+          <p:cNvSpPr>
+            <a:spLocks noGrp="1"/>
+          </p:cNvSpPr>
+          <p:nvPr>
+            <p:ph type="title"/>
+          </p:nvPr>
+        </p:nvSpPr>
+        <p:spPr/>
+        <p:txBody>
+          <a:bodyPr/>
+          <a:lstStyle/>
+          <a:p>
+            <a:r>
+              <a:rPr lang="it-IT" dirty="0">
+                <a:latin typeface="Raleway" panose="020B0503030101060003" pitchFamily="34" charset="0"/>
+              </a:rPr>
+              <a:t>Classi «formattatori» di report</a:t>
+            </a:r>
+          </a:p>
+        </p:txBody>
+      </p:sp>
+      <p:sp>
+        <p:nvSpPr>
+          <p:cNvPr id="3" name="Segnaposto numero diapositiva 2">
+            <a:extLst>
+              <a:ext uri="{FF2B5EF4-FFF2-40B4-BE49-F238E27FC236}">
+                <a16:creationId xmlns:a16="http://schemas.microsoft.com/office/drawing/2014/main" id="{F95D5DB9-37AE-4E1C-A00F-B3A31DFEC6CC}"/>
+              </a:ext>
+            </a:extLst>
+          </p:cNvPr>
+          <p:cNvSpPr>
+            <a:spLocks noGrp="1"/>
+          </p:cNvSpPr>
+          <p:nvPr>
+            <p:ph type="sldNum" sz="quarter" idx="4"/>
+          </p:nvPr>
+        </p:nvSpPr>
+        <p:spPr/>
+        <p:txBody>
+          <a:bodyPr/>
+          <a:lstStyle/>
+          <a:p>
+            <a:fld id="{936C95AE-7298-45E1-9514-94AFF5BED89B}" type="slidenum">
+              <a:rPr lang="en-US" smtClean="0"/>
+              <a:pPr/>
+              <a:t>11</a:t>
             </a:fld>
             <a:endParaRPr lang="en-US" dirty="0"/>
           </a:p>
@@ -10553,72 +11059,6 @@
 </p:sld>
 </file>
 
-<file path=ppt/slides/slide11.xml><?xml version="1.0" encoding="utf-8"?>
-<p:sld xmlns:a="http://schemas.openxmlformats.org/drawingml/2006/main" xmlns:r="http://schemas.openxmlformats.org/officeDocument/2006/relationships" xmlns:p="http://schemas.openxmlformats.org/presentationml/2006/main">
-  <p:cSld>
-    <p:spTree>
-      <p:nvGrpSpPr>
-        <p:cNvPr id="1" name=""/>
-        <p:cNvGrpSpPr/>
-        <p:nvPr/>
-      </p:nvGrpSpPr>
-      <p:grpSpPr>
-        <a:xfrm>
-          <a:off x="0" y="0"/>
-          <a:ext cx="0" cy="0"/>
-          <a:chOff x="0" y="0"/>
-          <a:chExt cx="0" cy="0"/>
-        </a:xfrm>
-      </p:grpSpPr>
-      <p:sp>
-        <p:nvSpPr>
-          <p:cNvPr id="2" name="Titolo 1">
-            <a:extLst>
-              <a:ext uri="{FF2B5EF4-FFF2-40B4-BE49-F238E27FC236}">
-                <a16:creationId xmlns:a16="http://schemas.microsoft.com/office/drawing/2014/main" id="{B73CF70F-5974-4D3E-8AE0-71F230BC77E3}"/>
-              </a:ext>
-            </a:extLst>
-          </p:cNvPr>
-          <p:cNvSpPr>
-            <a:spLocks noGrp="1"/>
-          </p:cNvSpPr>
-          <p:nvPr>
-            <p:ph type="title"/>
-          </p:nvPr>
-        </p:nvSpPr>
-        <p:spPr>
-          <a:xfrm>
-            <a:off x="628650" y="2948723"/>
-            <a:ext cx="3943350" cy="960553"/>
-          </a:xfrm>
-        </p:spPr>
-        <p:txBody>
-          <a:bodyPr/>
-          <a:lstStyle/>
-          <a:p>
-            <a:r>
-              <a:rPr lang="it-IT" dirty="0"/>
-              <a:t>Difficoltà dell’implementazione</a:t>
-            </a:r>
-          </a:p>
-        </p:txBody>
-      </p:sp>
-    </p:spTree>
-    <p:extLst>
-      <p:ext uri="{BB962C8B-B14F-4D97-AF65-F5344CB8AC3E}">
-        <p14:creationId xmlns:p14="http://schemas.microsoft.com/office/powerpoint/2010/main" val="3357744861"/>
-      </p:ext>
-    </p:extLst>
-  </p:cSld>
-  <p:clrMapOvr>
-    <a:masterClrMapping/>
-  </p:clrMapOvr>
-  <p:transition spd="slow">
-    <p:push/>
-  </p:transition>
-</p:sld>
-</file>
-
 <file path=ppt/slides/slide12.xml><?xml version="1.0" encoding="utf-8"?>
 <p:sld xmlns:a="http://schemas.openxmlformats.org/drawingml/2006/main" xmlns:r="http://schemas.openxmlformats.org/officeDocument/2006/relationships" xmlns:p="http://schemas.openxmlformats.org/presentationml/2006/main">
   <p:cSld>
@@ -10641,7 +11081,7 @@
           <p:cNvPr id="2" name="Titolo 1">
             <a:extLst>
               <a:ext uri="{FF2B5EF4-FFF2-40B4-BE49-F238E27FC236}">
-                <a16:creationId xmlns:a16="http://schemas.microsoft.com/office/drawing/2014/main" id="{635BE07B-C050-4557-92B0-55DADC6BD977}"/>
+                <a16:creationId xmlns:a16="http://schemas.microsoft.com/office/drawing/2014/main" id="{B73CF70F-5974-4D3E-8AE0-71F230BC77E3}"/>
               </a:ext>
             </a:extLst>
           </p:cNvPr>
@@ -10652,370 +11092,19 @@
             <p:ph type="title"/>
           </p:nvPr>
         </p:nvSpPr>
-        <p:spPr/>
+        <p:spPr>
+          <a:xfrm>
+            <a:off x="628650" y="2948723"/>
+            <a:ext cx="3943350" cy="960553"/>
+          </a:xfrm>
+        </p:spPr>
         <p:txBody>
           <a:bodyPr/>
           <a:lstStyle/>
           <a:p>
             <a:r>
-              <a:rPr lang="it-IT" dirty="0">
-                <a:latin typeface="Raleway" panose="020B0503030101060003" pitchFamily="34" charset="0"/>
-              </a:rPr>
-              <a:t>Difficoltà di implementazione</a:t>
-            </a:r>
-          </a:p>
-        </p:txBody>
-      </p:sp>
-      <p:sp>
-        <p:nvSpPr>
-          <p:cNvPr id="3" name="Segnaposto numero diapositiva 2">
-            <a:extLst>
-              <a:ext uri="{FF2B5EF4-FFF2-40B4-BE49-F238E27FC236}">
-                <a16:creationId xmlns:a16="http://schemas.microsoft.com/office/drawing/2014/main" id="{F95D5DB9-37AE-4E1C-A00F-B3A31DFEC6CC}"/>
-              </a:ext>
-            </a:extLst>
-          </p:cNvPr>
-          <p:cNvSpPr>
-            <a:spLocks noGrp="1"/>
-          </p:cNvSpPr>
-          <p:nvPr>
-            <p:ph type="sldNum" sz="quarter" idx="4"/>
-          </p:nvPr>
-        </p:nvSpPr>
-        <p:spPr/>
-        <p:txBody>
-          <a:bodyPr/>
-          <a:lstStyle/>
-          <a:p>
-            <a:fld id="{936C95AE-7298-45E1-9514-94AFF5BED89B}" type="slidenum">
-              <a:rPr lang="en-US" smtClean="0"/>
-              <a:pPr/>
-              <a:t>12</a:t>
-            </a:fld>
-            <a:endParaRPr lang="en-US" dirty="0"/>
-          </a:p>
-        </p:txBody>
-      </p:sp>
-      <p:sp>
-        <p:nvSpPr>
-          <p:cNvPr id="6" name="Titolo 1">
-            <a:extLst>
-              <a:ext uri="{FF2B5EF4-FFF2-40B4-BE49-F238E27FC236}">
-                <a16:creationId xmlns:a16="http://schemas.microsoft.com/office/drawing/2014/main" id="{BA907758-C83D-447A-8484-FE6423F0D184}"/>
-              </a:ext>
-            </a:extLst>
-          </p:cNvPr>
-          <p:cNvSpPr txBox="1">
-            <a:spLocks/>
-          </p:cNvSpPr>
-          <p:nvPr/>
-        </p:nvSpPr>
-        <p:spPr>
-          <a:xfrm>
-            <a:off x="395206" y="573317"/>
-            <a:ext cx="8422816" cy="431020"/>
-          </a:xfrm>
-          <a:prstGeom prst="rect">
-            <a:avLst/>
-          </a:prstGeom>
-        </p:spPr>
-        <p:txBody>
-          <a:bodyPr/>
-          <a:lstStyle>
-            <a:lvl1pPr algn="l" defTabSz="685783" rtl="0" eaLnBrk="1" latinLnBrk="0" hangingPunct="1">
-              <a:lnSpc>
-                <a:spcPct val="90000"/>
-              </a:lnSpc>
-              <a:spcBef>
-                <a:spcPct val="0"/>
-              </a:spcBef>
-              <a:buNone/>
-              <a:defRPr sz="3300" kern="1200">
-                <a:solidFill>
-                  <a:schemeClr val="tx1"/>
-                </a:solidFill>
-                <a:latin typeface="+mj-lt"/>
-                <a:ea typeface="+mj-ea"/>
-                <a:cs typeface="+mj-cs"/>
-              </a:defRPr>
-            </a:lvl1pPr>
-          </a:lstStyle>
-          <a:p>
-            <a:endParaRPr lang="it-IT" sz="1800" dirty="0">
-              <a:solidFill>
-                <a:schemeClr val="bg1"/>
-              </a:solidFill>
-              <a:latin typeface="Raleway" panose="020B0503030101060003"/>
-            </a:endParaRPr>
-          </a:p>
-        </p:txBody>
-      </p:sp>
-      <p:sp>
-        <p:nvSpPr>
-          <p:cNvPr id="14" name="Rectangle 5">
-            <a:extLst>
-              <a:ext uri="{FF2B5EF4-FFF2-40B4-BE49-F238E27FC236}">
-                <a16:creationId xmlns:a16="http://schemas.microsoft.com/office/drawing/2014/main" id="{22326694-008E-42AE-9E2F-E5E756C4831C}"/>
-              </a:ext>
-            </a:extLst>
-          </p:cNvPr>
-          <p:cNvSpPr/>
-          <p:nvPr/>
-        </p:nvSpPr>
-        <p:spPr>
-          <a:xfrm>
-            <a:off x="912659" y="3269793"/>
-            <a:ext cx="7387910" cy="2065822"/>
-          </a:xfrm>
-          <a:prstGeom prst="rect">
-            <a:avLst/>
-          </a:prstGeom>
-        </p:spPr>
-        <p:txBody>
-          <a:bodyPr wrap="square">
-            <a:spAutoFit/>
-          </a:bodyPr>
-          <a:lstStyle/>
-          <a:p>
-            <a:pPr marL="342900" indent="-342900">
-              <a:lnSpc>
-                <a:spcPct val="120000"/>
-              </a:lnSpc>
-              <a:buFont typeface="+mj-lt"/>
-              <a:buAutoNum type="arabicPeriod" startAt="2"/>
-            </a:pPr>
-            <a:r>
-              <a:rPr lang="it-IT" sz="1350" dirty="0">
-                <a:solidFill>
-                  <a:schemeClr val="bg1">
-                    <a:lumMod val="65000"/>
-                  </a:schemeClr>
-                </a:solidFill>
-                <a:latin typeface="Raleway"/>
-                <a:ea typeface="Roboto Light" charset="0"/>
-                <a:cs typeface="Roboto Light" charset="0"/>
-              </a:rPr>
-              <a:t>A causa di alcuni bug di Chrome non tutti i formati di video (supportati) funzionano a dovere.</a:t>
-            </a:r>
-          </a:p>
-          <a:p>
-            <a:pPr marL="342900" indent="-342900">
-              <a:lnSpc>
-                <a:spcPct val="120000"/>
-              </a:lnSpc>
-              <a:buFont typeface="+mj-lt"/>
-              <a:buAutoNum type="arabicPeriod" startAt="2"/>
-            </a:pPr>
-            <a:r>
-              <a:rPr lang="it-IT" sz="1350" dirty="0">
-                <a:solidFill>
-                  <a:schemeClr val="bg1">
-                    <a:lumMod val="65000"/>
-                  </a:schemeClr>
-                </a:solidFill>
-                <a:latin typeface="Raleway"/>
-                <a:ea typeface="Roboto Light" charset="0"/>
-                <a:cs typeface="Roboto Light" charset="0"/>
-              </a:rPr>
-              <a:t>A causa di alcuni bug di </a:t>
-            </a:r>
-            <a:r>
-              <a:rPr lang="it-IT" sz="1350" dirty="0" err="1">
-                <a:solidFill>
-                  <a:schemeClr val="bg1">
-                    <a:lumMod val="65000"/>
-                  </a:schemeClr>
-                </a:solidFill>
-                <a:latin typeface="Raleway"/>
-                <a:ea typeface="Roboto Light" charset="0"/>
-                <a:cs typeface="Roboto Light" charset="0"/>
-              </a:rPr>
-              <a:t>Chromium</a:t>
-            </a:r>
-            <a:r>
-              <a:rPr lang="it-IT" sz="1350" dirty="0">
-                <a:solidFill>
-                  <a:schemeClr val="bg1">
-                    <a:lumMod val="65000"/>
-                  </a:schemeClr>
-                </a:solidFill>
-                <a:latin typeface="Raleway"/>
-                <a:ea typeface="Roboto Light" charset="0"/>
-                <a:cs typeface="Roboto Light" charset="0"/>
-              </a:rPr>
-              <a:t> è stato necessario affidarsi a librerie esterne per la registrazione di video </a:t>
-            </a:r>
-            <a:r>
-              <a:rPr lang="it-IT" sz="1350" i="1" dirty="0">
-                <a:solidFill>
-                  <a:schemeClr val="bg1">
-                    <a:lumMod val="65000"/>
-                  </a:schemeClr>
-                </a:solidFill>
-                <a:latin typeface="Raleway"/>
-                <a:ea typeface="Roboto Light" charset="0"/>
-                <a:cs typeface="Roboto Light" charset="0"/>
-              </a:rPr>
-              <a:t>real-time</a:t>
-            </a:r>
-            <a:r>
-              <a:rPr lang="it-IT" sz="1350" dirty="0">
-                <a:solidFill>
-                  <a:schemeClr val="bg1">
-                    <a:lumMod val="65000"/>
-                  </a:schemeClr>
-                </a:solidFill>
-                <a:latin typeface="Raleway"/>
-                <a:ea typeface="Roboto Light" charset="0"/>
-                <a:cs typeface="Roboto Light" charset="0"/>
-              </a:rPr>
-              <a:t>.</a:t>
-            </a:r>
-          </a:p>
-          <a:p>
-            <a:pPr marL="342900" indent="-342900">
-              <a:lnSpc>
-                <a:spcPct val="120000"/>
-              </a:lnSpc>
-              <a:buFont typeface="+mj-lt"/>
-              <a:buAutoNum type="arabicPeriod" startAt="2"/>
-            </a:pPr>
-            <a:r>
-              <a:rPr lang="it-IT" sz="1350" dirty="0">
-                <a:solidFill>
-                  <a:schemeClr val="bg1">
-                    <a:lumMod val="65000"/>
-                  </a:schemeClr>
-                </a:solidFill>
-                <a:latin typeface="Raleway"/>
-                <a:ea typeface="Roboto Light" charset="0"/>
-                <a:cs typeface="Roboto Light" charset="0"/>
-              </a:rPr>
-              <a:t>A causa di problemi con le autorizzazioni di amministratore in ambiente 'Windows' non è stato possibile effettuare l'analisi lato server.</a:t>
-            </a:r>
-          </a:p>
-          <a:p>
-            <a:pPr marL="342900" indent="-342900">
-              <a:lnSpc>
-                <a:spcPct val="120000"/>
-              </a:lnSpc>
-              <a:buFont typeface="+mj-lt"/>
-              <a:buAutoNum type="arabicPeriod" startAt="2"/>
-            </a:pPr>
-            <a:r>
-              <a:rPr lang="it-IT" sz="1350" dirty="0">
-                <a:solidFill>
-                  <a:schemeClr val="bg1">
-                    <a:lumMod val="65000"/>
-                  </a:schemeClr>
-                </a:solidFill>
-                <a:latin typeface="Raleway"/>
-                <a:ea typeface="Roboto Light" charset="0"/>
-                <a:cs typeface="Roboto Light" charset="0"/>
-              </a:rPr>
-              <a:t>A causa di problemi con le autorizzazioni di amministratore in ambiente 'Windows' non è estato possibile utilizzare librerie di conversione video (FFMPEG).</a:t>
-            </a:r>
-          </a:p>
-        </p:txBody>
-      </p:sp>
-      <p:sp>
-        <p:nvSpPr>
-          <p:cNvPr id="9" name="Rectangle 5">
-            <a:extLst>
-              <a:ext uri="{FF2B5EF4-FFF2-40B4-BE49-F238E27FC236}">
-                <a16:creationId xmlns:a16="http://schemas.microsoft.com/office/drawing/2014/main" id="{0B0200D2-985A-4831-A088-DAB8DD3A1E65}"/>
-              </a:ext>
-            </a:extLst>
-          </p:cNvPr>
-          <p:cNvSpPr/>
-          <p:nvPr/>
-        </p:nvSpPr>
-        <p:spPr>
-          <a:xfrm>
-            <a:off x="912659" y="2619759"/>
-            <a:ext cx="7387910" cy="396840"/>
-          </a:xfrm>
-          <a:prstGeom prst="rect">
-            <a:avLst/>
-          </a:prstGeom>
-        </p:spPr>
-        <p:txBody>
-          <a:bodyPr wrap="square">
-            <a:spAutoFit/>
-          </a:bodyPr>
-          <a:lstStyle/>
-          <a:p>
-            <a:pPr marL="342900" indent="-342900">
-              <a:lnSpc>
-                <a:spcPct val="120000"/>
-              </a:lnSpc>
-              <a:buFont typeface="+mj-lt"/>
-              <a:buAutoNum type="arabicPeriod"/>
-            </a:pPr>
-            <a:r>
-              <a:rPr lang="it-IT" dirty="0">
-                <a:solidFill>
-                  <a:schemeClr val="bg1">
-                    <a:lumMod val="65000"/>
-                  </a:schemeClr>
-                </a:solidFill>
-                <a:latin typeface="Raleway"/>
-                <a:ea typeface="Roboto Light" charset="0"/>
-                <a:cs typeface="Roboto Light" charset="0"/>
-              </a:rPr>
-              <a:t>Documentazione </a:t>
-            </a:r>
-            <a:r>
-              <a:rPr lang="it-IT" dirty="0" err="1">
-                <a:solidFill>
-                  <a:schemeClr val="bg1">
-                    <a:lumMod val="65000"/>
-                  </a:schemeClr>
-                </a:solidFill>
-                <a:latin typeface="Raleway"/>
-                <a:ea typeface="Roboto Light" charset="0"/>
-                <a:cs typeface="Roboto Light" charset="0"/>
-              </a:rPr>
-              <a:t>dell’engine</a:t>
-            </a:r>
-            <a:r>
-              <a:rPr lang="it-IT" dirty="0">
-                <a:solidFill>
-                  <a:schemeClr val="bg1">
-                    <a:lumMod val="65000"/>
-                  </a:schemeClr>
-                </a:solidFill>
-                <a:latin typeface="Raleway"/>
-                <a:ea typeface="Roboto Light" charset="0"/>
-                <a:cs typeface="Roboto Light" charset="0"/>
-              </a:rPr>
-              <a:t> di AI </a:t>
-            </a:r>
-            <a:r>
-              <a:rPr lang="it-IT" dirty="0" err="1">
-                <a:solidFill>
-                  <a:schemeClr val="bg1">
-                    <a:lumMod val="65000"/>
-                  </a:schemeClr>
-                </a:solidFill>
-                <a:latin typeface="Raleway"/>
-                <a:ea typeface="Roboto Light" charset="0"/>
-                <a:cs typeface="Roboto Light" charset="0"/>
-              </a:rPr>
-              <a:t>closed</a:t>
-            </a:r>
-            <a:r>
-              <a:rPr lang="it-IT" dirty="0">
-                <a:solidFill>
-                  <a:schemeClr val="bg1">
-                    <a:lumMod val="65000"/>
-                  </a:schemeClr>
-                </a:solidFill>
-                <a:latin typeface="Raleway"/>
-                <a:ea typeface="Roboto Light" charset="0"/>
-                <a:cs typeface="Roboto Light" charset="0"/>
-              </a:rPr>
-              <a:t>-source (a pagamento)</a:t>
+              <a:rPr lang="it-IT" dirty="0"/>
+              <a:t>Difficoltà dell’implementazione</a:t>
             </a:r>
           </a:p>
         </p:txBody>
@@ -11023,7 +11112,7 @@
     </p:spTree>
     <p:extLst>
       <p:ext uri="{BB962C8B-B14F-4D97-AF65-F5344CB8AC3E}">
-        <p14:creationId xmlns:p14="http://schemas.microsoft.com/office/powerpoint/2010/main" val="2901987578"/>
+        <p14:creationId xmlns:p14="http://schemas.microsoft.com/office/powerpoint/2010/main" val="3357744861"/>
       </p:ext>
     </p:extLst>
   </p:cSld>
@@ -11058,6 +11147,423 @@
           <p:cNvPr id="2" name="Titolo 1">
             <a:extLst>
               <a:ext uri="{FF2B5EF4-FFF2-40B4-BE49-F238E27FC236}">
+                <a16:creationId xmlns:a16="http://schemas.microsoft.com/office/drawing/2014/main" id="{635BE07B-C050-4557-92B0-55DADC6BD977}"/>
+              </a:ext>
+            </a:extLst>
+          </p:cNvPr>
+          <p:cNvSpPr>
+            <a:spLocks noGrp="1"/>
+          </p:cNvSpPr>
+          <p:nvPr>
+            <p:ph type="title"/>
+          </p:nvPr>
+        </p:nvSpPr>
+        <p:spPr/>
+        <p:txBody>
+          <a:bodyPr/>
+          <a:lstStyle/>
+          <a:p>
+            <a:r>
+              <a:rPr lang="it-IT" dirty="0">
+                <a:latin typeface="Raleway" panose="020B0503030101060003" pitchFamily="34" charset="0"/>
+              </a:rPr>
+              <a:t>Difficoltà di implementazione</a:t>
+            </a:r>
+          </a:p>
+        </p:txBody>
+      </p:sp>
+      <p:sp>
+        <p:nvSpPr>
+          <p:cNvPr id="3" name="Segnaposto numero diapositiva 2">
+            <a:extLst>
+              <a:ext uri="{FF2B5EF4-FFF2-40B4-BE49-F238E27FC236}">
+                <a16:creationId xmlns:a16="http://schemas.microsoft.com/office/drawing/2014/main" id="{F95D5DB9-37AE-4E1C-A00F-B3A31DFEC6CC}"/>
+              </a:ext>
+            </a:extLst>
+          </p:cNvPr>
+          <p:cNvSpPr>
+            <a:spLocks noGrp="1"/>
+          </p:cNvSpPr>
+          <p:nvPr>
+            <p:ph type="sldNum" sz="quarter" idx="4"/>
+          </p:nvPr>
+        </p:nvSpPr>
+        <p:spPr/>
+        <p:txBody>
+          <a:bodyPr/>
+          <a:lstStyle/>
+          <a:p>
+            <a:fld id="{936C95AE-7298-45E1-9514-94AFF5BED89B}" type="slidenum">
+              <a:rPr lang="en-US" smtClean="0"/>
+              <a:pPr/>
+              <a:t>13</a:t>
+            </a:fld>
+            <a:endParaRPr lang="en-US" dirty="0"/>
+          </a:p>
+        </p:txBody>
+      </p:sp>
+      <p:sp>
+        <p:nvSpPr>
+          <p:cNvPr id="6" name="Titolo 1">
+            <a:extLst>
+              <a:ext uri="{FF2B5EF4-FFF2-40B4-BE49-F238E27FC236}">
+                <a16:creationId xmlns:a16="http://schemas.microsoft.com/office/drawing/2014/main" id="{BA907758-C83D-447A-8484-FE6423F0D184}"/>
+              </a:ext>
+            </a:extLst>
+          </p:cNvPr>
+          <p:cNvSpPr txBox="1">
+            <a:spLocks/>
+          </p:cNvSpPr>
+          <p:nvPr/>
+        </p:nvSpPr>
+        <p:spPr>
+          <a:xfrm>
+            <a:off x="395206" y="573317"/>
+            <a:ext cx="8422816" cy="431020"/>
+          </a:xfrm>
+          <a:prstGeom prst="rect">
+            <a:avLst/>
+          </a:prstGeom>
+        </p:spPr>
+        <p:txBody>
+          <a:bodyPr/>
+          <a:lstStyle>
+            <a:lvl1pPr algn="l" defTabSz="685783" rtl="0" eaLnBrk="1" latinLnBrk="0" hangingPunct="1">
+              <a:lnSpc>
+                <a:spcPct val="90000"/>
+              </a:lnSpc>
+              <a:spcBef>
+                <a:spcPct val="0"/>
+              </a:spcBef>
+              <a:buNone/>
+              <a:defRPr sz="3300" kern="1200">
+                <a:solidFill>
+                  <a:schemeClr val="tx1"/>
+                </a:solidFill>
+                <a:latin typeface="+mj-lt"/>
+                <a:ea typeface="+mj-ea"/>
+                <a:cs typeface="+mj-cs"/>
+              </a:defRPr>
+            </a:lvl1pPr>
+          </a:lstStyle>
+          <a:p>
+            <a:endParaRPr lang="it-IT" sz="1800" dirty="0">
+              <a:solidFill>
+                <a:schemeClr val="bg1"/>
+              </a:solidFill>
+              <a:latin typeface="Raleway" panose="020B0503030101060003"/>
+            </a:endParaRPr>
+          </a:p>
+        </p:txBody>
+      </p:sp>
+      <p:sp>
+        <p:nvSpPr>
+          <p:cNvPr id="14" name="Rectangle 5">
+            <a:extLst>
+              <a:ext uri="{FF2B5EF4-FFF2-40B4-BE49-F238E27FC236}">
+                <a16:creationId xmlns:a16="http://schemas.microsoft.com/office/drawing/2014/main" id="{22326694-008E-42AE-9E2F-E5E756C4831C}"/>
+              </a:ext>
+            </a:extLst>
+          </p:cNvPr>
+          <p:cNvSpPr/>
+          <p:nvPr/>
+        </p:nvSpPr>
+        <p:spPr>
+          <a:xfrm>
+            <a:off x="912659" y="3269793"/>
+            <a:ext cx="7387910" cy="2065822"/>
+          </a:xfrm>
+          <a:prstGeom prst="rect">
+            <a:avLst/>
+          </a:prstGeom>
+        </p:spPr>
+        <p:txBody>
+          <a:bodyPr wrap="square">
+            <a:spAutoFit/>
+          </a:bodyPr>
+          <a:lstStyle/>
+          <a:p>
+            <a:pPr marL="342900" indent="-342900">
+              <a:lnSpc>
+                <a:spcPct val="120000"/>
+              </a:lnSpc>
+              <a:buFont typeface="+mj-lt"/>
+              <a:buAutoNum type="arabicPeriod" startAt="2"/>
+            </a:pPr>
+            <a:r>
+              <a:rPr lang="it-IT" sz="1350" dirty="0">
+                <a:solidFill>
+                  <a:schemeClr val="bg1">
+                    <a:lumMod val="65000"/>
+                  </a:schemeClr>
+                </a:solidFill>
+                <a:latin typeface="Raleway"/>
+                <a:ea typeface="Roboto Light" charset="0"/>
+                <a:cs typeface="Roboto Light" charset="0"/>
+              </a:rPr>
+              <a:t>A causa di alcuni bug di Chrome non tutti i formati di video (supportati) funzionano a dovere.</a:t>
+            </a:r>
+          </a:p>
+          <a:p>
+            <a:pPr marL="342900" indent="-342900">
+              <a:lnSpc>
+                <a:spcPct val="120000"/>
+              </a:lnSpc>
+              <a:buFont typeface="+mj-lt"/>
+              <a:buAutoNum type="arabicPeriod" startAt="2"/>
+            </a:pPr>
+            <a:r>
+              <a:rPr lang="it-IT" sz="1350" dirty="0">
+                <a:solidFill>
+                  <a:schemeClr val="bg1">
+                    <a:lumMod val="65000"/>
+                  </a:schemeClr>
+                </a:solidFill>
+                <a:latin typeface="Raleway"/>
+                <a:ea typeface="Roboto Light" charset="0"/>
+                <a:cs typeface="Roboto Light" charset="0"/>
+              </a:rPr>
+              <a:t>A causa di alcuni bug di </a:t>
+            </a:r>
+            <a:r>
+              <a:rPr lang="it-IT" sz="1350" dirty="0" err="1">
+                <a:solidFill>
+                  <a:schemeClr val="bg1">
+                    <a:lumMod val="65000"/>
+                  </a:schemeClr>
+                </a:solidFill>
+                <a:latin typeface="Raleway"/>
+                <a:ea typeface="Roboto Light" charset="0"/>
+                <a:cs typeface="Roboto Light" charset="0"/>
+              </a:rPr>
+              <a:t>Chromium</a:t>
+            </a:r>
+            <a:r>
+              <a:rPr lang="it-IT" sz="1350" dirty="0">
+                <a:solidFill>
+                  <a:schemeClr val="bg1">
+                    <a:lumMod val="65000"/>
+                  </a:schemeClr>
+                </a:solidFill>
+                <a:latin typeface="Raleway"/>
+                <a:ea typeface="Roboto Light" charset="0"/>
+                <a:cs typeface="Roboto Light" charset="0"/>
+              </a:rPr>
+              <a:t> è stato necessario affidarsi a librerie esterne per la registrazione di video </a:t>
+            </a:r>
+            <a:r>
+              <a:rPr lang="it-IT" sz="1350" i="1" dirty="0">
+                <a:solidFill>
+                  <a:schemeClr val="bg1">
+                    <a:lumMod val="65000"/>
+                  </a:schemeClr>
+                </a:solidFill>
+                <a:latin typeface="Raleway"/>
+                <a:ea typeface="Roboto Light" charset="0"/>
+                <a:cs typeface="Roboto Light" charset="0"/>
+              </a:rPr>
+              <a:t>real-time</a:t>
+            </a:r>
+            <a:r>
+              <a:rPr lang="it-IT" sz="1350" dirty="0">
+                <a:solidFill>
+                  <a:schemeClr val="bg1">
+                    <a:lumMod val="65000"/>
+                  </a:schemeClr>
+                </a:solidFill>
+                <a:latin typeface="Raleway"/>
+                <a:ea typeface="Roboto Light" charset="0"/>
+                <a:cs typeface="Roboto Light" charset="0"/>
+              </a:rPr>
+              <a:t>.</a:t>
+            </a:r>
+          </a:p>
+          <a:p>
+            <a:pPr marL="342900" indent="-342900">
+              <a:lnSpc>
+                <a:spcPct val="120000"/>
+              </a:lnSpc>
+              <a:buFont typeface="+mj-lt"/>
+              <a:buAutoNum type="arabicPeriod" startAt="2"/>
+            </a:pPr>
+            <a:r>
+              <a:rPr lang="it-IT" sz="1350" dirty="0">
+                <a:solidFill>
+                  <a:schemeClr val="bg1">
+                    <a:lumMod val="65000"/>
+                  </a:schemeClr>
+                </a:solidFill>
+                <a:latin typeface="Raleway"/>
+                <a:ea typeface="Roboto Light" charset="0"/>
+                <a:cs typeface="Roboto Light" charset="0"/>
+              </a:rPr>
+              <a:t>A causa di problemi con le autorizzazioni di amministratore in ambiente 'Windows' non è stato possibile effettuare l'analisi lato server.</a:t>
+            </a:r>
+          </a:p>
+          <a:p>
+            <a:pPr marL="342900" indent="-342900">
+              <a:lnSpc>
+                <a:spcPct val="120000"/>
+              </a:lnSpc>
+              <a:buFont typeface="+mj-lt"/>
+              <a:buAutoNum type="arabicPeriod" startAt="2"/>
+            </a:pPr>
+            <a:r>
+              <a:rPr lang="it-IT" sz="1350" dirty="0">
+                <a:solidFill>
+                  <a:schemeClr val="bg1">
+                    <a:lumMod val="65000"/>
+                  </a:schemeClr>
+                </a:solidFill>
+                <a:latin typeface="Raleway"/>
+                <a:ea typeface="Roboto Light" charset="0"/>
+                <a:cs typeface="Roboto Light" charset="0"/>
+              </a:rPr>
+              <a:t>A causa di problemi con le autorizzazioni di amministratore in ambiente 'Windows' non è estato possibile utilizzare librerie di conversione video (FFMPEG).</a:t>
+            </a:r>
+          </a:p>
+        </p:txBody>
+      </p:sp>
+      <p:sp>
+        <p:nvSpPr>
+          <p:cNvPr id="9" name="Rectangle 5">
+            <a:extLst>
+              <a:ext uri="{FF2B5EF4-FFF2-40B4-BE49-F238E27FC236}">
+                <a16:creationId xmlns:a16="http://schemas.microsoft.com/office/drawing/2014/main" id="{0B0200D2-985A-4831-A088-DAB8DD3A1E65}"/>
+              </a:ext>
+            </a:extLst>
+          </p:cNvPr>
+          <p:cNvSpPr/>
+          <p:nvPr/>
+        </p:nvSpPr>
+        <p:spPr>
+          <a:xfrm>
+            <a:off x="912659" y="2619759"/>
+            <a:ext cx="7387910" cy="396840"/>
+          </a:xfrm>
+          <a:prstGeom prst="rect">
+            <a:avLst/>
+          </a:prstGeom>
+        </p:spPr>
+        <p:txBody>
+          <a:bodyPr wrap="square">
+            <a:spAutoFit/>
+          </a:bodyPr>
+          <a:lstStyle/>
+          <a:p>
+            <a:pPr marL="342900" indent="-342900">
+              <a:lnSpc>
+                <a:spcPct val="120000"/>
+              </a:lnSpc>
+              <a:buFont typeface="+mj-lt"/>
+              <a:buAutoNum type="arabicPeriod"/>
+            </a:pPr>
+            <a:r>
+              <a:rPr lang="it-IT" dirty="0">
+                <a:solidFill>
+                  <a:schemeClr val="bg1">
+                    <a:lumMod val="65000"/>
+                  </a:schemeClr>
+                </a:solidFill>
+                <a:latin typeface="Raleway"/>
+                <a:ea typeface="Roboto Light" charset="0"/>
+                <a:cs typeface="Roboto Light" charset="0"/>
+              </a:rPr>
+              <a:t>Documentazione </a:t>
+            </a:r>
+            <a:r>
+              <a:rPr lang="it-IT" dirty="0" err="1">
+                <a:solidFill>
+                  <a:schemeClr val="bg1">
+                    <a:lumMod val="65000"/>
+                  </a:schemeClr>
+                </a:solidFill>
+                <a:latin typeface="Raleway"/>
+                <a:ea typeface="Roboto Light" charset="0"/>
+                <a:cs typeface="Roboto Light" charset="0"/>
+              </a:rPr>
+              <a:t>dell’engine</a:t>
+            </a:r>
+            <a:r>
+              <a:rPr lang="it-IT" dirty="0">
+                <a:solidFill>
+                  <a:schemeClr val="bg1">
+                    <a:lumMod val="65000"/>
+                  </a:schemeClr>
+                </a:solidFill>
+                <a:latin typeface="Raleway"/>
+                <a:ea typeface="Roboto Light" charset="0"/>
+                <a:cs typeface="Roboto Light" charset="0"/>
+              </a:rPr>
+              <a:t> di AI </a:t>
+            </a:r>
+            <a:r>
+              <a:rPr lang="it-IT" dirty="0" err="1">
+                <a:solidFill>
+                  <a:schemeClr val="bg1">
+                    <a:lumMod val="65000"/>
+                  </a:schemeClr>
+                </a:solidFill>
+                <a:latin typeface="Raleway"/>
+                <a:ea typeface="Roboto Light" charset="0"/>
+                <a:cs typeface="Roboto Light" charset="0"/>
+              </a:rPr>
+              <a:t>closed</a:t>
+            </a:r>
+            <a:r>
+              <a:rPr lang="it-IT" dirty="0">
+                <a:solidFill>
+                  <a:schemeClr val="bg1">
+                    <a:lumMod val="65000"/>
+                  </a:schemeClr>
+                </a:solidFill>
+                <a:latin typeface="Raleway"/>
+                <a:ea typeface="Roboto Light" charset="0"/>
+                <a:cs typeface="Roboto Light" charset="0"/>
+              </a:rPr>
+              <a:t>-source (a pagamento)</a:t>
+            </a:r>
+          </a:p>
+        </p:txBody>
+      </p:sp>
+    </p:spTree>
+    <p:extLst>
+      <p:ext uri="{BB962C8B-B14F-4D97-AF65-F5344CB8AC3E}">
+        <p14:creationId xmlns:p14="http://schemas.microsoft.com/office/powerpoint/2010/main" val="2901987578"/>
+      </p:ext>
+    </p:extLst>
+  </p:cSld>
+  <p:clrMapOvr>
+    <a:masterClrMapping/>
+  </p:clrMapOvr>
+  <p:transition spd="slow">
+    <p:push/>
+  </p:transition>
+</p:sld>
+</file>
+
+<file path=ppt/slides/slide14.xml><?xml version="1.0" encoding="utf-8"?>
+<p:sld xmlns:a="http://schemas.openxmlformats.org/drawingml/2006/main" xmlns:r="http://schemas.openxmlformats.org/officeDocument/2006/relationships" xmlns:p="http://schemas.openxmlformats.org/presentationml/2006/main">
+  <p:cSld>
+    <p:spTree>
+      <p:nvGrpSpPr>
+        <p:cNvPr id="1" name=""/>
+        <p:cNvGrpSpPr/>
+        <p:nvPr/>
+      </p:nvGrpSpPr>
+      <p:grpSpPr>
+        <a:xfrm>
+          <a:off x="0" y="0"/>
+          <a:ext cx="0" cy="0"/>
+          <a:chOff x="0" y="0"/>
+          <a:chExt cx="0" cy="0"/>
+        </a:xfrm>
+      </p:grpSpPr>
+      <p:sp>
+        <p:nvSpPr>
+          <p:cNvPr id="2" name="Titolo 1">
+            <a:extLst>
+              <a:ext uri="{FF2B5EF4-FFF2-40B4-BE49-F238E27FC236}">
                 <a16:creationId xmlns:a16="http://schemas.microsoft.com/office/drawing/2014/main" id="{69A3425F-3989-434F-A102-94D7CFA49E57}"/>
               </a:ext>
             </a:extLst>
@@ -11099,7 +11605,7 @@
 </p:sld>
 </file>
 
-<file path=ppt/slides/slide14.xml><?xml version="1.0" encoding="utf-8"?>
+<file path=ppt/slides/slide15.xml><?xml version="1.0" encoding="utf-8"?>
 <p:sld xmlns:a="http://schemas.openxmlformats.org/drawingml/2006/main" xmlns:r="http://schemas.openxmlformats.org/officeDocument/2006/relationships" xmlns:p="http://schemas.openxmlformats.org/presentationml/2006/main">
   <p:cSld>
     <p:bg>
@@ -11146,9 +11652,7 @@
           <a:lstStyle/>
           <a:p>
             <a:r>
-              <a:rPr lang="it-IT" dirty="0">
-                <a:latin typeface="Raleway" panose="020B0503030101060003"/>
-              </a:rPr>
+              <a:rPr lang="it-IT" dirty="0"/>
               <a:t>Il Team FSC</a:t>
             </a:r>
           </a:p>
@@ -11175,10 +11679,11 @@
           <a:bodyPr/>
           <a:lstStyle/>
           <a:p>
-            <a:r>
-              <a:rPr lang="en-US" dirty="0"/>
-              <a:t>9</a:t>
-            </a:r>
+            <a:fld id="{F919F227-670C-4D86-889E-990C2D07E7C2}" type="slidenum">
+              <a:rPr lang="en-US"/>
+              <a:t>15</a:t>
+            </a:fld>
+            <a:endParaRPr lang="en-US" dirty="0"/>
           </a:p>
         </p:txBody>
       </p:sp>
@@ -12560,8 +13065,8 @@
         </p:nvSpPr>
         <p:spPr>
           <a:xfrm>
-            <a:off x="5045622" y="2635896"/>
-            <a:ext cx="3796998" cy="2677656"/>
+            <a:off x="5045622" y="2912895"/>
+            <a:ext cx="3796998" cy="2123658"/>
           </a:xfrm>
           <a:prstGeom prst="rect">
             <a:avLst/>
@@ -12730,7 +13235,59 @@
                 <a:ea typeface="Roboto Light" charset="0"/>
                 <a:cs typeface="Roboto Light" charset="0"/>
               </a:rPr>
-              <a:t>”, in italiano “Emozionalmente”, deriva dalla condensazione delle due parole “emozione”, che rappresenta l’oggetto dell’analisi, e “mente”, per rappresentare che i significati che generano le emozioni sono solo frutto della nostra mente.</a:t>
+              <a:t>” deriva dalla contrazione delle due parole inglesi «</a:t>
+            </a:r>
+            <a:r>
+              <a:rPr lang="it-IT" sz="1200" u="sng" dirty="0" err="1">
+                <a:solidFill>
+                  <a:schemeClr val="bg1">
+                    <a:lumMod val="65000"/>
+                  </a:schemeClr>
+                </a:solidFill>
+                <a:latin typeface="Raleway"/>
+                <a:ea typeface="Roboto Light" charset="0"/>
+                <a:cs typeface="Roboto Light" charset="0"/>
+              </a:rPr>
+              <a:t>Emotional</a:t>
+            </a:r>
+            <a:r>
+              <a:rPr lang="it-IT" sz="1200" dirty="0">
+                <a:solidFill>
+                  <a:schemeClr val="bg1">
+                    <a:lumMod val="65000"/>
+                  </a:schemeClr>
+                </a:solidFill>
+                <a:latin typeface="Raleway"/>
+                <a:ea typeface="Roboto Light" charset="0"/>
+                <a:cs typeface="Roboto Light" charset="0"/>
+              </a:rPr>
+              <a:t> Ana</a:t>
+            </a:r>
+            <a:r>
+              <a:rPr lang="it-IT" sz="1200" u="sng" dirty="0">
+                <a:solidFill>
+                  <a:schemeClr val="bg1">
+                    <a:lumMod val="65000"/>
+                  </a:schemeClr>
+                </a:solidFill>
+                <a:latin typeface="Raleway"/>
+                <a:ea typeface="Roboto Light" charset="0"/>
+                <a:cs typeface="Roboto Light" charset="0"/>
+              </a:rPr>
+              <a:t>ly</a:t>
+            </a:r>
+            <a:r>
+              <a:rPr lang="it-IT" sz="1200" dirty="0">
+                <a:solidFill>
+                  <a:schemeClr val="bg1">
+                    <a:lumMod val="65000"/>
+                  </a:schemeClr>
+                </a:solidFill>
+                <a:latin typeface="Raleway"/>
+                <a:ea typeface="Roboto Light" charset="0"/>
+                <a:cs typeface="Roboto Light" charset="0"/>
+              </a:rPr>
+              <a:t>sis», che sottolineano gli obiettivi di questo sistema.</a:t>
             </a:r>
           </a:p>
         </p:txBody>
@@ -12764,134 +13321,6 @@
           </a:prstGeom>
         </p:spPr>
       </p:pic>
-      <p:sp>
-        <p:nvSpPr>
-          <p:cNvPr id="7" name="Segnaposto numero diapositiva 2">
-            <a:extLst>
-              <a:ext uri="{FF2B5EF4-FFF2-40B4-BE49-F238E27FC236}">
-                <a16:creationId xmlns:a16="http://schemas.microsoft.com/office/drawing/2014/main" id="{18BE00D7-F219-4DEA-9DEE-CD81DB6EED1C}"/>
-              </a:ext>
-            </a:extLst>
-          </p:cNvPr>
-          <p:cNvSpPr txBox="1">
-            <a:spLocks/>
-          </p:cNvSpPr>
-          <p:nvPr/>
-        </p:nvSpPr>
-        <p:spPr>
-          <a:xfrm>
-            <a:off x="8189264" y="1346525"/>
-            <a:ext cx="543972" cy="365125"/>
-          </a:xfrm>
-          <a:prstGeom prst="rect">
-            <a:avLst/>
-          </a:prstGeom>
-        </p:spPr>
-        <p:txBody>
-          <a:bodyPr anchor="ctr"/>
-          <a:lstStyle>
-            <a:defPPr>
-              <a:defRPr lang="en-US"/>
-            </a:defPPr>
-            <a:lvl1pPr marL="0" algn="ctr" defTabSz="914400" rtl="0" eaLnBrk="1" latinLnBrk="0" hangingPunct="1">
-              <a:defRPr sz="1200" b="0" i="0" kern="1200">
-                <a:solidFill>
-                  <a:schemeClr val="bg1"/>
-                </a:solidFill>
-                <a:latin typeface="Roboto Light" charset="0"/>
-                <a:ea typeface="Roboto Light" charset="0"/>
-                <a:cs typeface="Roboto Light" charset="0"/>
-              </a:defRPr>
-            </a:lvl1pPr>
-            <a:lvl2pPr marL="457200" algn="l" defTabSz="914400" rtl="0" eaLnBrk="1" latinLnBrk="0" hangingPunct="1">
-              <a:defRPr sz="1800" kern="1200">
-                <a:solidFill>
-                  <a:schemeClr val="tx1"/>
-                </a:solidFill>
-                <a:latin typeface="+mn-lt"/>
-                <a:ea typeface="+mn-ea"/>
-                <a:cs typeface="+mn-cs"/>
-              </a:defRPr>
-            </a:lvl2pPr>
-            <a:lvl3pPr marL="914400" algn="l" defTabSz="914400" rtl="0" eaLnBrk="1" latinLnBrk="0" hangingPunct="1">
-              <a:defRPr sz="1800" kern="1200">
-                <a:solidFill>
-                  <a:schemeClr val="tx1"/>
-                </a:solidFill>
-                <a:latin typeface="+mn-lt"/>
-                <a:ea typeface="+mn-ea"/>
-                <a:cs typeface="+mn-cs"/>
-              </a:defRPr>
-            </a:lvl3pPr>
-            <a:lvl4pPr marL="1371600" algn="l" defTabSz="914400" rtl="0" eaLnBrk="1" latinLnBrk="0" hangingPunct="1">
-              <a:defRPr sz="1800" kern="1200">
-                <a:solidFill>
-                  <a:schemeClr val="tx1"/>
-                </a:solidFill>
-                <a:latin typeface="+mn-lt"/>
-                <a:ea typeface="+mn-ea"/>
-                <a:cs typeface="+mn-cs"/>
-              </a:defRPr>
-            </a:lvl4pPr>
-            <a:lvl5pPr marL="1828800" algn="l" defTabSz="914400" rtl="0" eaLnBrk="1" latinLnBrk="0" hangingPunct="1">
-              <a:defRPr sz="1800" kern="1200">
-                <a:solidFill>
-                  <a:schemeClr val="tx1"/>
-                </a:solidFill>
-                <a:latin typeface="+mn-lt"/>
-                <a:ea typeface="+mn-ea"/>
-                <a:cs typeface="+mn-cs"/>
-              </a:defRPr>
-            </a:lvl5pPr>
-            <a:lvl6pPr marL="2286000" algn="l" defTabSz="914400" rtl="0" eaLnBrk="1" latinLnBrk="0" hangingPunct="1">
-              <a:defRPr sz="1800" kern="1200">
-                <a:solidFill>
-                  <a:schemeClr val="tx1"/>
-                </a:solidFill>
-                <a:latin typeface="+mn-lt"/>
-                <a:ea typeface="+mn-ea"/>
-                <a:cs typeface="+mn-cs"/>
-              </a:defRPr>
-            </a:lvl6pPr>
-            <a:lvl7pPr marL="2743200" algn="l" defTabSz="914400" rtl="0" eaLnBrk="1" latinLnBrk="0" hangingPunct="1">
-              <a:defRPr sz="1800" kern="1200">
-                <a:solidFill>
-                  <a:schemeClr val="tx1"/>
-                </a:solidFill>
-                <a:latin typeface="+mn-lt"/>
-                <a:ea typeface="+mn-ea"/>
-                <a:cs typeface="+mn-cs"/>
-              </a:defRPr>
-            </a:lvl7pPr>
-            <a:lvl8pPr marL="3200400" algn="l" defTabSz="914400" rtl="0" eaLnBrk="1" latinLnBrk="0" hangingPunct="1">
-              <a:defRPr sz="1800" kern="1200">
-                <a:solidFill>
-                  <a:schemeClr val="tx1"/>
-                </a:solidFill>
-                <a:latin typeface="+mn-lt"/>
-                <a:ea typeface="+mn-ea"/>
-                <a:cs typeface="+mn-cs"/>
-              </a:defRPr>
-            </a:lvl8pPr>
-            <a:lvl9pPr marL="3657600" algn="l" defTabSz="914400" rtl="0" eaLnBrk="1" latinLnBrk="0" hangingPunct="1">
-              <a:defRPr sz="1800" kern="1200">
-                <a:solidFill>
-                  <a:schemeClr val="tx1"/>
-                </a:solidFill>
-                <a:latin typeface="+mn-lt"/>
-                <a:ea typeface="+mn-ea"/>
-                <a:cs typeface="+mn-cs"/>
-              </a:defRPr>
-            </a:lvl9pPr>
-          </a:lstStyle>
-          <a:p>
-            <a:r>
-              <a:rPr lang="en-US" dirty="0"/>
-              <a:t>3</a:t>
-            </a:r>
-          </a:p>
-        </p:txBody>
-      </p:sp>
     </p:spTree>
     <p:extLst>
       <p:ext uri="{BB962C8B-B14F-4D97-AF65-F5344CB8AC3E}">
@@ -12927,10 +13356,10 @@
       </p:grpSpPr>
       <p:sp>
         <p:nvSpPr>
-          <p:cNvPr id="3" name="Titolo 2">
+          <p:cNvPr id="2" name="Titolo 1">
             <a:extLst>
               <a:ext uri="{FF2B5EF4-FFF2-40B4-BE49-F238E27FC236}">
-                <a16:creationId xmlns:a16="http://schemas.microsoft.com/office/drawing/2014/main" id="{04EBCA1C-86CB-431C-874B-99DC940A8E0A}"/>
+                <a16:creationId xmlns:a16="http://schemas.microsoft.com/office/drawing/2014/main" id="{BE891E1C-EC82-460F-90AF-68C5D91EEE78}"/>
               </a:ext>
             </a:extLst>
           </p:cNvPr>
@@ -12947,18 +13376,778 @@
           <a:lstStyle/>
           <a:p>
             <a:r>
-              <a:rPr lang="it-IT" dirty="0">
-                <a:latin typeface="Raleway" panose="020B0503030101060003"/>
+              <a:rPr lang="it-IT" dirty="0"/>
+              <a:t>I tools</a:t>
+            </a:r>
+          </a:p>
+        </p:txBody>
+      </p:sp>
+      <p:sp>
+        <p:nvSpPr>
+          <p:cNvPr id="3" name="Segnaposto numero diapositiva 2">
+            <a:extLst>
+              <a:ext uri="{FF2B5EF4-FFF2-40B4-BE49-F238E27FC236}">
+                <a16:creationId xmlns:a16="http://schemas.microsoft.com/office/drawing/2014/main" id="{C6F2201B-4DAF-49BD-AD89-100779A9D800}"/>
+              </a:ext>
+            </a:extLst>
+          </p:cNvPr>
+          <p:cNvSpPr>
+            <a:spLocks noGrp="1"/>
+          </p:cNvSpPr>
+          <p:nvPr>
+            <p:ph type="sldNum" sz="quarter" idx="4"/>
+          </p:nvPr>
+        </p:nvSpPr>
+        <p:spPr/>
+        <p:txBody>
+          <a:bodyPr/>
+          <a:lstStyle/>
+          <a:p>
+            <a:fld id="{936C95AE-7298-45E1-9514-94AFF5BED89B}" type="slidenum">
+              <a:rPr lang="en-US" smtClean="0"/>
+              <a:pPr/>
+              <a:t>4</a:t>
+            </a:fld>
+            <a:endParaRPr lang="en-US" dirty="0"/>
+          </a:p>
+        </p:txBody>
+      </p:sp>
+      <p:sp>
+        <p:nvSpPr>
+          <p:cNvPr id="4" name="Rectangle 2">
+            <a:extLst>
+              <a:ext uri="{FF2B5EF4-FFF2-40B4-BE49-F238E27FC236}">
+                <a16:creationId xmlns:a16="http://schemas.microsoft.com/office/drawing/2014/main" id="{AB87DCDF-0373-4D6F-96F1-763524EEBB71}"/>
+              </a:ext>
+            </a:extLst>
+          </p:cNvPr>
+          <p:cNvSpPr/>
+          <p:nvPr/>
+        </p:nvSpPr>
+        <p:spPr>
+          <a:xfrm>
+            <a:off x="344319" y="2244930"/>
+            <a:ext cx="2684171" cy="3505814"/>
+          </a:xfrm>
+          <a:prstGeom prst="rect">
+            <a:avLst/>
+          </a:prstGeom>
+          <a:solidFill>
+            <a:schemeClr val="bg1"/>
+          </a:solidFill>
+          <a:ln>
+            <a:noFill/>
+          </a:ln>
+          <a:effectLst>
+            <a:outerShdw blurRad="38100" dist="12700" dir="5400000" algn="ctr" rotWithShape="0">
+              <a:srgbClr val="000000">
+                <a:alpha val="30000"/>
+              </a:srgbClr>
+            </a:outerShdw>
+          </a:effectLst>
+        </p:spPr>
+        <p:style>
+          <a:lnRef idx="2">
+            <a:schemeClr val="accent1">
+              <a:shade val="50000"/>
+            </a:schemeClr>
+          </a:lnRef>
+          <a:fillRef idx="1">
+            <a:schemeClr val="accent1"/>
+          </a:fillRef>
+          <a:effectRef idx="0">
+            <a:schemeClr val="accent1"/>
+          </a:effectRef>
+          <a:fontRef idx="minor">
+            <a:schemeClr val="lt1"/>
+          </a:fontRef>
+        </p:style>
+        <p:txBody>
+          <a:bodyPr rtlCol="0" anchor="ctr"/>
+          <a:lstStyle/>
+          <a:p>
+            <a:pPr algn="ctr"/>
+            <a:endParaRPr lang="en-US" sz="1350"/>
+          </a:p>
+        </p:txBody>
+      </p:sp>
+      <p:sp>
+        <p:nvSpPr>
+          <p:cNvPr id="5" name="Rectangle 12">
+            <a:extLst>
+              <a:ext uri="{FF2B5EF4-FFF2-40B4-BE49-F238E27FC236}">
+                <a16:creationId xmlns:a16="http://schemas.microsoft.com/office/drawing/2014/main" id="{49361ECE-C08E-46A0-94BA-957623D3368C}"/>
+              </a:ext>
+            </a:extLst>
+          </p:cNvPr>
+          <p:cNvSpPr/>
+          <p:nvPr/>
+        </p:nvSpPr>
+        <p:spPr>
+          <a:xfrm>
+            <a:off x="3200966" y="2224812"/>
+            <a:ext cx="2684171" cy="3513671"/>
+          </a:xfrm>
+          <a:prstGeom prst="rect">
+            <a:avLst/>
+          </a:prstGeom>
+          <a:solidFill>
+            <a:schemeClr val="bg1"/>
+          </a:solidFill>
+          <a:ln>
+            <a:noFill/>
+          </a:ln>
+          <a:effectLst>
+            <a:outerShdw blurRad="38100" dist="12700" dir="5400000" algn="ctr" rotWithShape="0">
+              <a:srgbClr val="000000">
+                <a:alpha val="30000"/>
+              </a:srgbClr>
+            </a:outerShdw>
+          </a:effectLst>
+        </p:spPr>
+        <p:style>
+          <a:lnRef idx="2">
+            <a:schemeClr val="accent1">
+              <a:shade val="50000"/>
+            </a:schemeClr>
+          </a:lnRef>
+          <a:fillRef idx="1">
+            <a:schemeClr val="accent1"/>
+          </a:fillRef>
+          <a:effectRef idx="0">
+            <a:schemeClr val="accent1"/>
+          </a:effectRef>
+          <a:fontRef idx="minor">
+            <a:schemeClr val="lt1"/>
+          </a:fontRef>
+        </p:style>
+        <p:txBody>
+          <a:bodyPr rtlCol="0" anchor="ctr"/>
+          <a:lstStyle/>
+          <a:p>
+            <a:pPr algn="ctr"/>
+            <a:endParaRPr lang="en-US" sz="1350" dirty="0"/>
+          </a:p>
+        </p:txBody>
+      </p:sp>
+      <p:sp>
+        <p:nvSpPr>
+          <p:cNvPr id="6" name="Rectangle 13">
+            <a:extLst>
+              <a:ext uri="{FF2B5EF4-FFF2-40B4-BE49-F238E27FC236}">
+                <a16:creationId xmlns:a16="http://schemas.microsoft.com/office/drawing/2014/main" id="{A22F9987-8E38-4D42-B6EA-1884C0DAFDF3}"/>
+              </a:ext>
+            </a:extLst>
+          </p:cNvPr>
+          <p:cNvSpPr/>
+          <p:nvPr/>
+        </p:nvSpPr>
+        <p:spPr>
+          <a:xfrm>
+            <a:off x="6049065" y="2232669"/>
+            <a:ext cx="2684171" cy="3505814"/>
+          </a:xfrm>
+          <a:prstGeom prst="rect">
+            <a:avLst/>
+          </a:prstGeom>
+          <a:solidFill>
+            <a:schemeClr val="bg1"/>
+          </a:solidFill>
+          <a:ln>
+            <a:noFill/>
+          </a:ln>
+          <a:effectLst>
+            <a:outerShdw blurRad="38100" dist="12700" dir="5400000" algn="ctr" rotWithShape="0">
+              <a:srgbClr val="000000">
+                <a:alpha val="30000"/>
+              </a:srgbClr>
+            </a:outerShdw>
+          </a:effectLst>
+        </p:spPr>
+        <p:style>
+          <a:lnRef idx="2">
+            <a:schemeClr val="accent1">
+              <a:shade val="50000"/>
+            </a:schemeClr>
+          </a:lnRef>
+          <a:fillRef idx="1">
+            <a:schemeClr val="accent1"/>
+          </a:fillRef>
+          <a:effectRef idx="0">
+            <a:schemeClr val="accent1"/>
+          </a:effectRef>
+          <a:fontRef idx="minor">
+            <a:schemeClr val="lt1"/>
+          </a:fontRef>
+        </p:style>
+        <p:txBody>
+          <a:bodyPr rtlCol="0" anchor="ctr"/>
+          <a:lstStyle/>
+          <a:p>
+            <a:pPr algn="ctr"/>
+            <a:endParaRPr lang="en-US" sz="1350"/>
+          </a:p>
+        </p:txBody>
+      </p:sp>
+      <p:sp>
+        <p:nvSpPr>
+          <p:cNvPr id="10" name="Rectangle 5">
+            <a:extLst>
+              <a:ext uri="{FF2B5EF4-FFF2-40B4-BE49-F238E27FC236}">
+                <a16:creationId xmlns:a16="http://schemas.microsoft.com/office/drawing/2014/main" id="{73FB6F74-F99F-4E30-8558-573B53DB0047}"/>
+              </a:ext>
+            </a:extLst>
+          </p:cNvPr>
+          <p:cNvSpPr/>
+          <p:nvPr/>
+        </p:nvSpPr>
+        <p:spPr>
+          <a:xfrm>
+            <a:off x="535542" y="4668940"/>
+            <a:ext cx="2307656" cy="570028"/>
+          </a:xfrm>
+          <a:prstGeom prst="rect">
+            <a:avLst/>
+          </a:prstGeom>
+        </p:spPr>
+        <p:txBody>
+          <a:bodyPr wrap="square">
+            <a:spAutoFit/>
+          </a:bodyPr>
+          <a:lstStyle/>
+          <a:p>
+            <a:pPr marL="285750" indent="-285750" algn="ctr">
+              <a:lnSpc>
+                <a:spcPct val="120000"/>
+              </a:lnSpc>
+              <a:buFont typeface="Arial" panose="020B0604020202020204" pitchFamily="34" charset="0"/>
+              <a:buChar char="•"/>
+            </a:pPr>
+            <a:r>
+              <a:rPr lang="it-IT" sz="1350" dirty="0" err="1">
+                <a:solidFill>
+                  <a:schemeClr val="bg1">
+                    <a:lumMod val="65000"/>
+                  </a:schemeClr>
+                </a:solidFill>
+                <a:latin typeface="Raleway"/>
+                <a:ea typeface="Roboto Light" charset="0"/>
+                <a:cs typeface="Roboto Light" charset="0"/>
               </a:rPr>
-              <a:t>Funzionalità</a:t>
-            </a:r>
-          </a:p>
-        </p:txBody>
-      </p:sp>
+              <a:t>Laravel</a:t>
+            </a:r>
+            <a:r>
+              <a:rPr lang="it-IT" sz="1350" dirty="0">
+                <a:solidFill>
+                  <a:schemeClr val="bg1">
+                    <a:lumMod val="65000"/>
+                  </a:schemeClr>
+                </a:solidFill>
+                <a:latin typeface="Raleway"/>
+                <a:ea typeface="Roboto Light" charset="0"/>
+                <a:cs typeface="Roboto Light" charset="0"/>
+              </a:rPr>
+              <a:t> 6,x</a:t>
+            </a:r>
+          </a:p>
+          <a:p>
+            <a:pPr marL="285750" indent="-285750" algn="ctr">
+              <a:lnSpc>
+                <a:spcPct val="120000"/>
+              </a:lnSpc>
+              <a:buFont typeface="Arial" panose="020B0604020202020204" pitchFamily="34" charset="0"/>
+              <a:buChar char="•"/>
+            </a:pPr>
+            <a:r>
+              <a:rPr lang="it-IT" sz="1350" dirty="0">
+                <a:solidFill>
+                  <a:schemeClr val="bg1">
+                    <a:lumMod val="65000"/>
+                  </a:schemeClr>
+                </a:solidFill>
+                <a:latin typeface="Raleway"/>
+                <a:ea typeface="Roboto Light" charset="0"/>
+                <a:cs typeface="Roboto Light" charset="0"/>
+              </a:rPr>
+              <a:t>PHP &gt;= 7,2</a:t>
+            </a:r>
+          </a:p>
+        </p:txBody>
+      </p:sp>
+      <p:sp>
+        <p:nvSpPr>
+          <p:cNvPr id="11" name="Rectangle 28">
+            <a:extLst>
+              <a:ext uri="{FF2B5EF4-FFF2-40B4-BE49-F238E27FC236}">
+                <a16:creationId xmlns:a16="http://schemas.microsoft.com/office/drawing/2014/main" id="{6E18A790-BE2D-4679-9803-C8D5813548AF}"/>
+              </a:ext>
+            </a:extLst>
+          </p:cNvPr>
+          <p:cNvSpPr/>
+          <p:nvPr/>
+        </p:nvSpPr>
+        <p:spPr>
+          <a:xfrm>
+            <a:off x="535542" y="2354310"/>
+            <a:ext cx="2307656" cy="447623"/>
+          </a:xfrm>
+          <a:prstGeom prst="rect">
+            <a:avLst/>
+          </a:prstGeom>
+        </p:spPr>
+        <p:txBody>
+          <a:bodyPr wrap="square">
+            <a:spAutoFit/>
+          </a:bodyPr>
+          <a:lstStyle/>
+          <a:p>
+            <a:pPr algn="ctr">
+              <a:lnSpc>
+                <a:spcPct val="120000"/>
+              </a:lnSpc>
+            </a:pPr>
+            <a:r>
+              <a:rPr lang="en-US" sz="2100" dirty="0">
+                <a:latin typeface="Raleway"/>
+                <a:ea typeface="Roboto Light" charset="0"/>
+                <a:cs typeface="Roboto Light" charset="0"/>
+              </a:rPr>
+              <a:t>Laravel 6.x</a:t>
+            </a:r>
+            <a:endParaRPr lang="en-US" dirty="0">
+              <a:latin typeface="Raleway"/>
+              <a:ea typeface="Roboto Light" charset="0"/>
+              <a:cs typeface="Roboto Light" charset="0"/>
+            </a:endParaRPr>
+          </a:p>
+        </p:txBody>
+      </p:sp>
+      <p:sp>
+        <p:nvSpPr>
+          <p:cNvPr id="12" name="Rectangle 29">
+            <a:extLst>
+              <a:ext uri="{FF2B5EF4-FFF2-40B4-BE49-F238E27FC236}">
+                <a16:creationId xmlns:a16="http://schemas.microsoft.com/office/drawing/2014/main" id="{53DA51BC-F561-49AA-ADCC-39ED3652D5F7}"/>
+              </a:ext>
+            </a:extLst>
+          </p:cNvPr>
+          <p:cNvSpPr/>
+          <p:nvPr/>
+        </p:nvSpPr>
+        <p:spPr>
+          <a:xfrm>
+            <a:off x="3384949" y="4339413"/>
+            <a:ext cx="2307656" cy="1068626"/>
+          </a:xfrm>
+          <a:prstGeom prst="rect">
+            <a:avLst/>
+          </a:prstGeom>
+        </p:spPr>
+        <p:txBody>
+          <a:bodyPr wrap="square">
+            <a:spAutoFit/>
+          </a:bodyPr>
+          <a:lstStyle/>
+          <a:p>
+            <a:pPr marL="285750" indent="-285750" algn="ctr">
+              <a:lnSpc>
+                <a:spcPct val="120000"/>
+              </a:lnSpc>
+              <a:buFont typeface="Arial" panose="020B0604020202020204" pitchFamily="34" charset="0"/>
+              <a:buChar char="•"/>
+            </a:pPr>
+            <a:r>
+              <a:rPr lang="it-IT" sz="1350" dirty="0" err="1">
+                <a:solidFill>
+                  <a:schemeClr val="bg1">
+                    <a:lumMod val="65000"/>
+                  </a:schemeClr>
+                </a:solidFill>
+                <a:latin typeface="Raleway"/>
+                <a:ea typeface="Roboto Light" charset="0"/>
+                <a:cs typeface="Roboto Light" charset="0"/>
+              </a:rPr>
+              <a:t>jQuery</a:t>
+            </a:r>
+            <a:endParaRPr lang="it-IT" sz="1350" dirty="0">
+              <a:solidFill>
+                <a:schemeClr val="bg1">
+                  <a:lumMod val="65000"/>
+                </a:schemeClr>
+              </a:solidFill>
+              <a:latin typeface="Raleway"/>
+              <a:ea typeface="Roboto Light" charset="0"/>
+              <a:cs typeface="Roboto Light" charset="0"/>
+            </a:endParaRPr>
+          </a:p>
+          <a:p>
+            <a:pPr marL="285750" indent="-285750" algn="ctr">
+              <a:lnSpc>
+                <a:spcPct val="120000"/>
+              </a:lnSpc>
+              <a:buFont typeface="Arial" panose="020B0604020202020204" pitchFamily="34" charset="0"/>
+              <a:buChar char="•"/>
+            </a:pPr>
+            <a:r>
+              <a:rPr lang="it-IT" sz="1350" dirty="0" err="1">
+                <a:solidFill>
+                  <a:schemeClr val="bg1">
+                    <a:lumMod val="65000"/>
+                  </a:schemeClr>
+                </a:solidFill>
+                <a:latin typeface="Raleway"/>
+                <a:ea typeface="Roboto Light" charset="0"/>
+                <a:cs typeface="Roboto Light" charset="0"/>
+              </a:rPr>
+              <a:t>jQuery</a:t>
+            </a:r>
+            <a:r>
+              <a:rPr lang="it-IT" sz="1350" dirty="0">
+                <a:solidFill>
+                  <a:schemeClr val="bg1">
+                    <a:lumMod val="65000"/>
+                  </a:schemeClr>
+                </a:solidFill>
+                <a:latin typeface="Raleway"/>
+                <a:ea typeface="Roboto Light" charset="0"/>
+                <a:cs typeface="Roboto Light" charset="0"/>
+              </a:rPr>
+              <a:t> UI</a:t>
+            </a:r>
+          </a:p>
+          <a:p>
+            <a:pPr marL="285750" indent="-285750" algn="ctr">
+              <a:lnSpc>
+                <a:spcPct val="120000"/>
+              </a:lnSpc>
+              <a:buFont typeface="Arial" panose="020B0604020202020204" pitchFamily="34" charset="0"/>
+              <a:buChar char="•"/>
+            </a:pPr>
+            <a:r>
+              <a:rPr lang="it-IT" sz="1350" dirty="0">
+                <a:solidFill>
+                  <a:schemeClr val="bg1">
+                    <a:lumMod val="65000"/>
+                  </a:schemeClr>
+                </a:solidFill>
+                <a:latin typeface="Raleway"/>
+                <a:ea typeface="Roboto Light" charset="0"/>
+                <a:cs typeface="Roboto Light" charset="0"/>
+              </a:rPr>
+              <a:t>JavaScript ES6</a:t>
+            </a:r>
+          </a:p>
+          <a:p>
+            <a:pPr marL="285750" indent="-285750" algn="ctr">
+              <a:lnSpc>
+                <a:spcPct val="120000"/>
+              </a:lnSpc>
+              <a:buFont typeface="Arial" panose="020B0604020202020204" pitchFamily="34" charset="0"/>
+              <a:buChar char="•"/>
+            </a:pPr>
+            <a:r>
+              <a:rPr lang="it-IT" sz="1350" i="1" dirty="0">
+                <a:solidFill>
+                  <a:schemeClr val="bg1">
+                    <a:lumMod val="65000"/>
+                  </a:schemeClr>
+                </a:solidFill>
+                <a:latin typeface="Raleway"/>
+                <a:ea typeface="Roboto Light" charset="0"/>
+                <a:cs typeface="Roboto Light" charset="0"/>
+              </a:rPr>
+              <a:t>Altre librerie…</a:t>
+            </a:r>
+            <a:endParaRPr lang="en-US" sz="1350" i="1" dirty="0">
+              <a:solidFill>
+                <a:schemeClr val="bg1">
+                  <a:lumMod val="65000"/>
+                </a:schemeClr>
+              </a:solidFill>
+              <a:latin typeface="Raleway"/>
+              <a:ea typeface="Roboto Light" charset="0"/>
+              <a:cs typeface="Roboto Light" charset="0"/>
+            </a:endParaRPr>
+          </a:p>
+        </p:txBody>
+      </p:sp>
+      <p:sp>
+        <p:nvSpPr>
+          <p:cNvPr id="13" name="Rectangle 30">
+            <a:extLst>
+              <a:ext uri="{FF2B5EF4-FFF2-40B4-BE49-F238E27FC236}">
+                <a16:creationId xmlns:a16="http://schemas.microsoft.com/office/drawing/2014/main" id="{2D403463-BC4E-4C52-A06C-318E0AF5F4FE}"/>
+              </a:ext>
+            </a:extLst>
+          </p:cNvPr>
+          <p:cNvSpPr/>
+          <p:nvPr/>
+        </p:nvSpPr>
+        <p:spPr>
+          <a:xfrm>
+            <a:off x="3389223" y="2380325"/>
+            <a:ext cx="2307656" cy="835422"/>
+          </a:xfrm>
+          <a:prstGeom prst="rect">
+            <a:avLst/>
+          </a:prstGeom>
+        </p:spPr>
+        <p:txBody>
+          <a:bodyPr wrap="square">
+            <a:spAutoFit/>
+          </a:bodyPr>
+          <a:lstStyle/>
+          <a:p>
+            <a:pPr algn="ctr">
+              <a:lnSpc>
+                <a:spcPct val="120000"/>
+              </a:lnSpc>
+            </a:pPr>
+            <a:r>
+              <a:rPr lang="en-US" sz="2100" dirty="0">
+                <a:latin typeface="Raleway"/>
+                <a:ea typeface="Roboto Light" charset="0"/>
+                <a:cs typeface="Roboto Light" charset="0"/>
+              </a:rPr>
+              <a:t>jQuery + JavaScript (ES6)</a:t>
+            </a:r>
+            <a:endParaRPr lang="en-US" dirty="0">
+              <a:latin typeface="Raleway"/>
+              <a:ea typeface="Roboto Light" charset="0"/>
+              <a:cs typeface="Roboto Light" charset="0"/>
+            </a:endParaRPr>
+          </a:p>
+        </p:txBody>
+      </p:sp>
+      <p:sp>
+        <p:nvSpPr>
+          <p:cNvPr id="14" name="Rectangle 31">
+            <a:extLst>
+              <a:ext uri="{FF2B5EF4-FFF2-40B4-BE49-F238E27FC236}">
+                <a16:creationId xmlns:a16="http://schemas.microsoft.com/office/drawing/2014/main" id="{88B75BEE-1D9F-4123-AF9E-FBCCCDB22484}"/>
+              </a:ext>
+            </a:extLst>
+          </p:cNvPr>
+          <p:cNvSpPr/>
+          <p:nvPr/>
+        </p:nvSpPr>
+        <p:spPr>
+          <a:xfrm>
+            <a:off x="6237322" y="4793590"/>
+            <a:ext cx="2307656" cy="320729"/>
+          </a:xfrm>
+          <a:prstGeom prst="rect">
+            <a:avLst/>
+          </a:prstGeom>
+        </p:spPr>
+        <p:txBody>
+          <a:bodyPr wrap="square">
+            <a:spAutoFit/>
+          </a:bodyPr>
+          <a:lstStyle/>
+          <a:p>
+            <a:pPr marL="285750" indent="-285750" algn="ctr">
+              <a:lnSpc>
+                <a:spcPct val="120000"/>
+              </a:lnSpc>
+              <a:buFont typeface="Arial" panose="020B0604020202020204" pitchFamily="34" charset="0"/>
+              <a:buChar char="•"/>
+            </a:pPr>
+            <a:r>
+              <a:rPr lang="it-IT" sz="1350" dirty="0">
+                <a:solidFill>
+                  <a:schemeClr val="bg1">
+                    <a:lumMod val="65000"/>
+                  </a:schemeClr>
+                </a:solidFill>
+                <a:latin typeface="Raleway"/>
+                <a:ea typeface="Roboto Light" charset="0"/>
+                <a:cs typeface="Roboto Light" charset="0"/>
+              </a:rPr>
+              <a:t>MySQL v5 &amp; v8</a:t>
+            </a:r>
+            <a:endParaRPr lang="en-US" sz="1350" dirty="0">
+              <a:solidFill>
+                <a:schemeClr val="bg1">
+                  <a:lumMod val="65000"/>
+                </a:schemeClr>
+              </a:solidFill>
+              <a:latin typeface="Raleway"/>
+              <a:ea typeface="Roboto Light" charset="0"/>
+              <a:cs typeface="Roboto Light" charset="0"/>
+            </a:endParaRPr>
+          </a:p>
+        </p:txBody>
+      </p:sp>
+      <p:sp>
+        <p:nvSpPr>
+          <p:cNvPr id="15" name="Rectangle 32">
+            <a:extLst>
+              <a:ext uri="{FF2B5EF4-FFF2-40B4-BE49-F238E27FC236}">
+                <a16:creationId xmlns:a16="http://schemas.microsoft.com/office/drawing/2014/main" id="{2ED5ABEE-92E9-4987-9550-70293695CD48}"/>
+              </a:ext>
+            </a:extLst>
+          </p:cNvPr>
+          <p:cNvSpPr/>
+          <p:nvPr/>
+        </p:nvSpPr>
+        <p:spPr>
+          <a:xfrm>
+            <a:off x="6237322" y="2417651"/>
+            <a:ext cx="2307656" cy="447623"/>
+          </a:xfrm>
+          <a:prstGeom prst="rect">
+            <a:avLst/>
+          </a:prstGeom>
+        </p:spPr>
+        <p:txBody>
+          <a:bodyPr wrap="square">
+            <a:spAutoFit/>
+          </a:bodyPr>
+          <a:lstStyle/>
+          <a:p>
+            <a:pPr algn="ctr">
+              <a:lnSpc>
+                <a:spcPct val="120000"/>
+              </a:lnSpc>
+            </a:pPr>
+            <a:r>
+              <a:rPr lang="it-IT" sz="2100" dirty="0">
+                <a:latin typeface="Raleway"/>
+                <a:ea typeface="Roboto Light" charset="0"/>
+                <a:cs typeface="Roboto Light" charset="0"/>
+              </a:rPr>
+              <a:t>MySQL</a:t>
+            </a:r>
+            <a:endParaRPr lang="en-US" dirty="0">
+              <a:latin typeface="Raleway"/>
+              <a:ea typeface="Roboto Light" charset="0"/>
+              <a:cs typeface="Roboto Light" charset="0"/>
+            </a:endParaRPr>
+          </a:p>
+        </p:txBody>
+      </p:sp>
+      <p:pic>
+        <p:nvPicPr>
+          <p:cNvPr id="20" name="Immagine 19" descr="Immagine che contiene disegnando&#10;&#10;Descrizione generata automaticamente">
+            <a:extLst>
+              <a:ext uri="{FF2B5EF4-FFF2-40B4-BE49-F238E27FC236}">
+                <a16:creationId xmlns:a16="http://schemas.microsoft.com/office/drawing/2014/main" id="{0F2CBC08-8C3E-4B15-BF30-0981FA30EF35}"/>
+              </a:ext>
+            </a:extLst>
+          </p:cNvPr>
+          <p:cNvPicPr>
+            <a:picLocks noChangeAspect="1"/>
+          </p:cNvPicPr>
+          <p:nvPr/>
+        </p:nvPicPr>
+        <p:blipFill>
+          <a:blip r:embed="rId2" cstate="print">
+            <a:extLst>
+              <a:ext uri="{28A0092B-C50C-407E-A947-70E740481C1C}">
+                <a14:useLocalDpi xmlns:a14="http://schemas.microsoft.com/office/drawing/2010/main" val="0"/>
+              </a:ext>
+              <a:ext uri="{837473B0-CC2E-450A-ABE3-18F120FF3D39}">
+                <a1611:picAttrSrcUrl xmlns:a1611="http://schemas.microsoft.com/office/drawing/2016/11/main" r:id="rId3"/>
+              </a:ext>
+            </a:extLst>
+          </a:blip>
+          <a:stretch>
+            <a:fillRect/>
+          </a:stretch>
+        </p:blipFill>
+        <p:spPr>
+          <a:xfrm>
+            <a:off x="995580" y="2975283"/>
+            <a:ext cx="1381648" cy="1436914"/>
+          </a:xfrm>
+          <a:prstGeom prst="rect">
+            <a:avLst/>
+          </a:prstGeom>
+        </p:spPr>
+      </p:pic>
+      <p:pic>
+        <p:nvPicPr>
+          <p:cNvPr id="23" name="Immagine 22" descr="Immagine che contiene orologio, sedendo, computer, tastiera&#10;&#10;Descrizione generata automaticamente">
+            <a:extLst>
+              <a:ext uri="{FF2B5EF4-FFF2-40B4-BE49-F238E27FC236}">
+                <a16:creationId xmlns:a16="http://schemas.microsoft.com/office/drawing/2014/main" id="{E0C4A97B-F769-4C5F-A518-1935E5AAD29D}"/>
+              </a:ext>
+            </a:extLst>
+          </p:cNvPr>
+          <p:cNvPicPr>
+            <a:picLocks noChangeAspect="1"/>
+          </p:cNvPicPr>
+          <p:nvPr/>
+        </p:nvPicPr>
+        <p:blipFill>
+          <a:blip r:embed="rId4" cstate="print">
+            <a:extLst>
+              <a:ext uri="{28A0092B-C50C-407E-A947-70E740481C1C}">
+                <a14:useLocalDpi xmlns:a14="http://schemas.microsoft.com/office/drawing/2010/main" val="0"/>
+              </a:ext>
+              <a:ext uri="{837473B0-CC2E-450A-ABE3-18F120FF3D39}">
+                <a1611:picAttrSrcUrl xmlns:a1611="http://schemas.microsoft.com/office/drawing/2016/11/main" r:id="rId5"/>
+              </a:ext>
+            </a:extLst>
+          </a:blip>
+          <a:stretch>
+            <a:fillRect/>
+          </a:stretch>
+        </p:blipFill>
+        <p:spPr>
+          <a:xfrm>
+            <a:off x="3482934" y="3514403"/>
+            <a:ext cx="2178131" cy="531770"/>
+          </a:xfrm>
+          <a:prstGeom prst="rect">
+            <a:avLst/>
+          </a:prstGeom>
+        </p:spPr>
+      </p:pic>
+      <p:pic>
+        <p:nvPicPr>
+          <p:cNvPr id="26" name="Immagine 25" descr="Immagine che contiene piatto, luce&#10;&#10;Descrizione generata automaticamente">
+            <a:extLst>
+              <a:ext uri="{FF2B5EF4-FFF2-40B4-BE49-F238E27FC236}">
+                <a16:creationId xmlns:a16="http://schemas.microsoft.com/office/drawing/2014/main" id="{DD73DB7F-CCC9-47B2-976B-1E11E80B81A4}"/>
+              </a:ext>
+            </a:extLst>
+          </p:cNvPr>
+          <p:cNvPicPr>
+            <a:picLocks noChangeAspect="1"/>
+          </p:cNvPicPr>
+          <p:nvPr/>
+        </p:nvPicPr>
+        <p:blipFill>
+          <a:blip r:embed="rId6" cstate="print">
+            <a:extLst>
+              <a:ext uri="{28A0092B-C50C-407E-A947-70E740481C1C}">
+                <a14:useLocalDpi xmlns:a14="http://schemas.microsoft.com/office/drawing/2010/main" val="0"/>
+              </a:ext>
+              <a:ext uri="{837473B0-CC2E-450A-ABE3-18F120FF3D39}">
+                <a1611:picAttrSrcUrl xmlns:a1611="http://schemas.microsoft.com/office/drawing/2016/11/main" r:id="rId7"/>
+              </a:ext>
+            </a:extLst>
+          </a:blip>
+          <a:stretch>
+            <a:fillRect/>
+          </a:stretch>
+        </p:blipFill>
+        <p:spPr>
+          <a:xfrm>
+            <a:off x="6436805" y="3288005"/>
+            <a:ext cx="1908690" cy="984566"/>
+          </a:xfrm>
+          <a:prstGeom prst="rect">
+            <a:avLst/>
+          </a:prstGeom>
+        </p:spPr>
+      </p:pic>
     </p:spTree>
     <p:extLst>
       <p:ext uri="{BB962C8B-B14F-4D97-AF65-F5344CB8AC3E}">
-        <p14:creationId xmlns:p14="http://schemas.microsoft.com/office/powerpoint/2010/main" val="1438537945"/>
+        <p14:creationId xmlns:p14="http://schemas.microsoft.com/office/powerpoint/2010/main" val="724404408"/>
       </p:ext>
     </p:extLst>
   </p:cSld>
@@ -12990,6 +14179,69 @@
       </p:grpSpPr>
       <p:sp>
         <p:nvSpPr>
+          <p:cNvPr id="3" name="Titolo 2">
+            <a:extLst>
+              <a:ext uri="{FF2B5EF4-FFF2-40B4-BE49-F238E27FC236}">
+                <a16:creationId xmlns:a16="http://schemas.microsoft.com/office/drawing/2014/main" id="{04EBCA1C-86CB-431C-874B-99DC940A8E0A}"/>
+              </a:ext>
+            </a:extLst>
+          </p:cNvPr>
+          <p:cNvSpPr>
+            <a:spLocks noGrp="1"/>
+          </p:cNvSpPr>
+          <p:nvPr>
+            <p:ph type="title"/>
+          </p:nvPr>
+        </p:nvSpPr>
+        <p:spPr/>
+        <p:txBody>
+          <a:bodyPr/>
+          <a:lstStyle/>
+          <a:p>
+            <a:r>
+              <a:rPr lang="it-IT" dirty="0">
+                <a:latin typeface="Raleway" panose="020B0503030101060003"/>
+              </a:rPr>
+              <a:t>Funzionalità</a:t>
+            </a:r>
+          </a:p>
+        </p:txBody>
+      </p:sp>
+    </p:spTree>
+    <p:extLst>
+      <p:ext uri="{BB962C8B-B14F-4D97-AF65-F5344CB8AC3E}">
+        <p14:creationId xmlns:p14="http://schemas.microsoft.com/office/powerpoint/2010/main" val="1438537945"/>
+      </p:ext>
+    </p:extLst>
+  </p:cSld>
+  <p:clrMapOvr>
+    <a:masterClrMapping/>
+  </p:clrMapOvr>
+  <p:transition spd="slow">
+    <p:push/>
+  </p:transition>
+</p:sld>
+</file>
+
+<file path=ppt/slides/slide6.xml><?xml version="1.0" encoding="utf-8"?>
+<p:sld xmlns:a="http://schemas.openxmlformats.org/drawingml/2006/main" xmlns:r="http://schemas.openxmlformats.org/officeDocument/2006/relationships" xmlns:p="http://schemas.openxmlformats.org/presentationml/2006/main">
+  <p:cSld>
+    <p:spTree>
+      <p:nvGrpSpPr>
+        <p:cNvPr id="1" name=""/>
+        <p:cNvGrpSpPr/>
+        <p:nvPr/>
+      </p:nvGrpSpPr>
+      <p:grpSpPr>
+        <a:xfrm>
+          <a:off x="0" y="0"/>
+          <a:ext cx="0" cy="0"/>
+          <a:chOff x="0" y="0"/>
+          <a:chExt cx="0" cy="0"/>
+        </a:xfrm>
+      </p:grpSpPr>
+      <p:sp>
+        <p:nvSpPr>
           <p:cNvPr id="4" name="Titolo 3">
             <a:extLst>
               <a:ext uri="{FF2B5EF4-FFF2-40B4-BE49-F238E27FC236}">
@@ -13039,10 +14291,11 @@
           <a:bodyPr/>
           <a:lstStyle/>
           <a:p>
-            <a:r>
-              <a:rPr lang="en-US" dirty="0"/>
-              <a:t>5</a:t>
-            </a:r>
+            <a:fld id="{34367C94-B2B9-424F-934D-A0EECBA439E3}" type="slidenum">
+              <a:rPr lang="en-US" smtClean="0"/>
+              <a:t>6</a:t>
+            </a:fld>
+            <a:endParaRPr lang="en-US" dirty="0"/>
           </a:p>
         </p:txBody>
       </p:sp>
@@ -13941,74 +15194,6 @@
 </p:sld>
 </file>
 
-<file path=ppt/slides/slide6.xml><?xml version="1.0" encoding="utf-8"?>
-<p:sld xmlns:a="http://schemas.openxmlformats.org/drawingml/2006/main" xmlns:r="http://schemas.openxmlformats.org/officeDocument/2006/relationships" xmlns:p="http://schemas.openxmlformats.org/presentationml/2006/main">
-  <p:cSld>
-    <p:spTree>
-      <p:nvGrpSpPr>
-        <p:cNvPr id="1" name=""/>
-        <p:cNvGrpSpPr/>
-        <p:nvPr/>
-      </p:nvGrpSpPr>
-      <p:grpSpPr>
-        <a:xfrm>
-          <a:off x="0" y="0"/>
-          <a:ext cx="0" cy="0"/>
-          <a:chOff x="0" y="0"/>
-          <a:chExt cx="0" cy="0"/>
-        </a:xfrm>
-      </p:grpSpPr>
-      <p:sp>
-        <p:nvSpPr>
-          <p:cNvPr id="4" name="Titolo 3">
-            <a:extLst>
-              <a:ext uri="{FF2B5EF4-FFF2-40B4-BE49-F238E27FC236}">
-                <a16:creationId xmlns:a16="http://schemas.microsoft.com/office/drawing/2014/main" id="{82EADC77-394E-4192-B4F4-3C62BE1B14CF}"/>
-              </a:ext>
-            </a:extLst>
-          </p:cNvPr>
-          <p:cNvSpPr>
-            <a:spLocks noGrp="1"/>
-          </p:cNvSpPr>
-          <p:nvPr>
-            <p:ph type="title"/>
-          </p:nvPr>
-        </p:nvSpPr>
-        <p:spPr>
-          <a:xfrm>
-            <a:off x="628650" y="3168995"/>
-            <a:ext cx="4456534" cy="520010"/>
-          </a:xfrm>
-        </p:spPr>
-        <p:txBody>
-          <a:bodyPr/>
-          <a:lstStyle/>
-          <a:p>
-            <a:r>
-              <a:rPr lang="it-IT" dirty="0">
-                <a:latin typeface="Raleway"/>
-              </a:rPr>
-              <a:t>Impatto nel mondo</a:t>
-            </a:r>
-          </a:p>
-        </p:txBody>
-      </p:sp>
-    </p:spTree>
-    <p:extLst>
-      <p:ext uri="{BB962C8B-B14F-4D97-AF65-F5344CB8AC3E}">
-        <p14:creationId xmlns:p14="http://schemas.microsoft.com/office/powerpoint/2010/main" val="1926368716"/>
-      </p:ext>
-    </p:extLst>
-  </p:cSld>
-  <p:clrMapOvr>
-    <a:masterClrMapping/>
-  </p:clrMapOvr>
-  <p:transition spd="slow">
-    <p:push/>
-  </p:transition>
-</p:sld>
-</file>
-
 <file path=ppt/slides/slide7.xml><?xml version="1.0" encoding="utf-8"?>
 <p:sld xmlns:a="http://schemas.openxmlformats.org/drawingml/2006/main" xmlns:r="http://schemas.openxmlformats.org/officeDocument/2006/relationships" xmlns:p="http://schemas.openxmlformats.org/presentationml/2006/main">
   <p:cSld>
@@ -14028,7 +15213,13 @@
       </p:grpSpPr>
       <p:sp>
         <p:nvSpPr>
-          <p:cNvPr id="2" name="Title 1"/>
+          <p:cNvPr id="4" name="Titolo 3">
+            <a:extLst>
+              <a:ext uri="{FF2B5EF4-FFF2-40B4-BE49-F238E27FC236}">
+                <a16:creationId xmlns:a16="http://schemas.microsoft.com/office/drawing/2014/main" id="{82EADC77-394E-4192-B4F4-3C62BE1B14CF}"/>
+              </a:ext>
+            </a:extLst>
+          </p:cNvPr>
           <p:cNvSpPr>
             <a:spLocks noGrp="1"/>
           </p:cNvSpPr>
@@ -14036,180 +15227,21 @@
             <p:ph type="title"/>
           </p:nvPr>
         </p:nvSpPr>
-        <p:spPr/>
+        <p:spPr>
+          <a:xfrm>
+            <a:off x="628650" y="3168995"/>
+            <a:ext cx="4456534" cy="520010"/>
+          </a:xfrm>
+        </p:spPr>
         <p:txBody>
           <a:bodyPr/>
           <a:lstStyle/>
           <a:p>
             <a:r>
-              <a:rPr lang="en-US" dirty="0" err="1">
-                <a:latin typeface="Raleway" panose="020B0503030101060003" pitchFamily="34" charset="0"/>
+              <a:rPr lang="it-IT" dirty="0">
+                <a:latin typeface="Raleway"/>
               </a:rPr>
-              <a:t>Impatto</a:t>
-            </a:r>
-            <a:r>
-              <a:rPr lang="en-US" dirty="0">
-                <a:latin typeface="Raleway" panose="020B0503030101060003" pitchFamily="34" charset="0"/>
-              </a:rPr>
-              <a:t> </a:t>
-            </a:r>
-            <a:r>
-              <a:rPr lang="en-US" dirty="0" err="1">
-                <a:latin typeface="Raleway" panose="020B0503030101060003" pitchFamily="34" charset="0"/>
-              </a:rPr>
-              <a:t>nel</a:t>
-            </a:r>
-            <a:r>
-              <a:rPr lang="en-US" dirty="0">
-                <a:latin typeface="Raleway" panose="020B0503030101060003" pitchFamily="34" charset="0"/>
-              </a:rPr>
-              <a:t> mondo</a:t>
-            </a:r>
-          </a:p>
-        </p:txBody>
-      </p:sp>
-      <p:sp>
-        <p:nvSpPr>
-          <p:cNvPr id="3" name="Slide Number Placeholder 2"/>
-          <p:cNvSpPr>
-            <a:spLocks noGrp="1"/>
-          </p:cNvSpPr>
-          <p:nvPr>
-            <p:ph type="sldNum" sz="quarter" idx="4"/>
-          </p:nvPr>
-        </p:nvSpPr>
-        <p:spPr/>
-        <p:txBody>
-          <a:bodyPr/>
-          <a:lstStyle/>
-          <a:p>
-            <a:r>
-              <a:rPr lang="en-US" dirty="0"/>
-              <a:t>7</a:t>
-            </a:r>
-          </a:p>
-        </p:txBody>
-      </p:sp>
-      <p:pic>
-        <p:nvPicPr>
-          <p:cNvPr id="5" name="Immagine 4" descr="Immagine che contiene tavolo, monitor, blu, sedendo&#10;&#10;Descrizione generata automaticamente">
-            <a:extLst>
-              <a:ext uri="{FF2B5EF4-FFF2-40B4-BE49-F238E27FC236}">
-                <a16:creationId xmlns:a16="http://schemas.microsoft.com/office/drawing/2014/main" id="{71A0A064-63AB-41B1-8622-7EABC759F3E6}"/>
-              </a:ext>
-            </a:extLst>
-          </p:cNvPr>
-          <p:cNvPicPr>
-            <a:picLocks noChangeAspect="1"/>
-          </p:cNvPicPr>
-          <p:nvPr/>
-        </p:nvPicPr>
-        <p:blipFill rotWithShape="1">
-          <a:blip r:embed="rId3">
-            <a:extLst>
-              <a:ext uri="{28A0092B-C50C-407E-A947-70E740481C1C}">
-                <a14:useLocalDpi xmlns:a14="http://schemas.microsoft.com/office/drawing/2010/main" val="0"/>
-              </a:ext>
-            </a:extLst>
-          </a:blip>
-          <a:srcRect b="8476"/>
-          <a:stretch/>
-        </p:blipFill>
-        <p:spPr>
-          <a:xfrm>
-            <a:off x="787092" y="1915885"/>
-            <a:ext cx="3316823" cy="4474029"/>
-          </a:xfrm>
-          <a:prstGeom prst="rect">
-            <a:avLst/>
-          </a:prstGeom>
-        </p:spPr>
-      </p:pic>
-      <p:sp>
-        <p:nvSpPr>
-          <p:cNvPr id="21" name="TextBox 37">
-            <a:extLst>
-              <a:ext uri="{FF2B5EF4-FFF2-40B4-BE49-F238E27FC236}">
-                <a16:creationId xmlns:a16="http://schemas.microsoft.com/office/drawing/2014/main" id="{F090414D-043E-4817-81A9-994E777FAA42}"/>
-              </a:ext>
-            </a:extLst>
-          </p:cNvPr>
-          <p:cNvSpPr txBox="1"/>
-          <p:nvPr/>
-        </p:nvSpPr>
-        <p:spPr>
-          <a:xfrm>
-            <a:off x="4664252" y="2490905"/>
-            <a:ext cx="3796998" cy="3323987"/>
-          </a:xfrm>
-          <a:prstGeom prst="rect">
-            <a:avLst/>
-          </a:prstGeom>
-          <a:noFill/>
-        </p:spPr>
-        <p:txBody>
-          <a:bodyPr wrap="square" rtlCol="0">
-            <a:spAutoFit/>
-          </a:bodyPr>
-          <a:lstStyle/>
-          <a:p>
-            <a:r>
-              <a:rPr lang="it-IT" sz="1400" dirty="0">
-                <a:solidFill>
-                  <a:schemeClr val="bg1">
-                    <a:lumMod val="65000"/>
-                  </a:schemeClr>
-                </a:solidFill>
-                <a:latin typeface="Raleway"/>
-                <a:ea typeface="Roboto Light" charset="0"/>
-                <a:cs typeface="Roboto Light" charset="0"/>
-              </a:rPr>
-              <a:t>Questo sistema può avere un elevato impatto nel mondo.</a:t>
-            </a:r>
-          </a:p>
-          <a:p>
-            <a:r>
-              <a:rPr lang="it-IT" sz="1400" dirty="0">
-                <a:solidFill>
-                  <a:schemeClr val="bg1">
-                    <a:lumMod val="65000"/>
-                  </a:schemeClr>
-                </a:solidFill>
-                <a:latin typeface="Raleway"/>
-                <a:ea typeface="Roboto Light" charset="0"/>
-                <a:cs typeface="Roboto Light" charset="0"/>
-              </a:rPr>
-              <a:t>Le emozioni sono importanti dato che incidono direttamente sul nostro comportamento e sul nostro pensiero.</a:t>
-            </a:r>
-          </a:p>
-          <a:p>
-            <a:r>
-              <a:rPr lang="it-IT" sz="1400" dirty="0">
-                <a:solidFill>
-                  <a:schemeClr val="bg1">
-                    <a:lumMod val="65000"/>
-                  </a:schemeClr>
-                </a:solidFill>
-                <a:latin typeface="Raleway"/>
-                <a:ea typeface="Roboto Light" charset="0"/>
-                <a:cs typeface="Roboto Light" charset="0"/>
-              </a:rPr>
-              <a:t>Proprio per questo l’applicazione web può aiutare le persone ad aumentare l’intelligenza emotiva, cioè l’abilità umana di percepire, comprendere e regolare le emozioni proprie e di chi ci circonda. </a:t>
-            </a:r>
-          </a:p>
-          <a:p>
-            <a:r>
-              <a:rPr lang="it-IT" sz="1400" dirty="0">
-                <a:solidFill>
-                  <a:schemeClr val="bg1">
-                    <a:lumMod val="65000"/>
-                  </a:schemeClr>
-                </a:solidFill>
-                <a:latin typeface="Raleway"/>
-                <a:ea typeface="Roboto Light" charset="0"/>
-                <a:cs typeface="Roboto Light" charset="0"/>
-              </a:rPr>
-              <a:t>Inoltre, in particolare, può essere usato nel settore della pubblicità, in quanto, attraverso il sistema, è possibile studiare le emozioni di uno spettatore alla vista di una pubblicità. </a:t>
+              <a:t>Impatto nel mondo</a:t>
             </a:r>
           </a:p>
         </p:txBody>
@@ -14217,7 +15249,7 @@
     </p:spTree>
     <p:extLst>
       <p:ext uri="{BB962C8B-B14F-4D97-AF65-F5344CB8AC3E}">
-        <p14:creationId xmlns:p14="http://schemas.microsoft.com/office/powerpoint/2010/main" val="818662556"/>
+        <p14:creationId xmlns:p14="http://schemas.microsoft.com/office/powerpoint/2010/main" val="1926368716"/>
       </p:ext>
     </p:extLst>
   </p:cSld>
@@ -14249,13 +15281,7 @@
       </p:grpSpPr>
       <p:sp>
         <p:nvSpPr>
-          <p:cNvPr id="2" name="Titolo 1">
-            <a:extLst>
-              <a:ext uri="{FF2B5EF4-FFF2-40B4-BE49-F238E27FC236}">
-                <a16:creationId xmlns:a16="http://schemas.microsoft.com/office/drawing/2014/main" id="{69A3425F-3989-434F-A102-94D7CFA49E57}"/>
-              </a:ext>
-            </a:extLst>
-          </p:cNvPr>
+          <p:cNvPr id="2" name="Title 1"/>
           <p:cNvSpPr>
             <a:spLocks noGrp="1"/>
           </p:cNvSpPr>
@@ -14263,21 +15289,181 @@
             <p:ph type="title"/>
           </p:nvPr>
         </p:nvSpPr>
-        <p:spPr>
-          <a:xfrm>
-            <a:off x="510663" y="2904478"/>
-            <a:ext cx="3943350" cy="1049044"/>
-          </a:xfrm>
-        </p:spPr>
+        <p:spPr/>
         <p:txBody>
           <a:bodyPr/>
           <a:lstStyle/>
           <a:p>
             <a:r>
-              <a:rPr lang="it-IT" dirty="0">
+              <a:rPr lang="en-US" dirty="0" err="1">
+                <a:latin typeface="Raleway" panose="020B0503030101060003" pitchFamily="34" charset="0"/>
+              </a:rPr>
+              <a:t>Impatto</a:t>
+            </a:r>
+            <a:r>
+              <a:rPr lang="en-US" dirty="0">
+                <a:latin typeface="Raleway" panose="020B0503030101060003" pitchFamily="34" charset="0"/>
+              </a:rPr>
+              <a:t> </a:t>
+            </a:r>
+            <a:r>
+              <a:rPr lang="en-US" dirty="0" err="1">
+                <a:latin typeface="Raleway" panose="020B0503030101060003" pitchFamily="34" charset="0"/>
+              </a:rPr>
+              <a:t>nel</a:t>
+            </a:r>
+            <a:r>
+              <a:rPr lang="en-US" dirty="0">
+                <a:latin typeface="Raleway" panose="020B0503030101060003" pitchFamily="34" charset="0"/>
+              </a:rPr>
+              <a:t> mondo</a:t>
+            </a:r>
+          </a:p>
+        </p:txBody>
+      </p:sp>
+      <p:sp>
+        <p:nvSpPr>
+          <p:cNvPr id="3" name="Slide Number Placeholder 2"/>
+          <p:cNvSpPr>
+            <a:spLocks noGrp="1"/>
+          </p:cNvSpPr>
+          <p:nvPr>
+            <p:ph type="sldNum" sz="quarter" idx="4"/>
+          </p:nvPr>
+        </p:nvSpPr>
+        <p:spPr/>
+        <p:txBody>
+          <a:bodyPr/>
+          <a:lstStyle/>
+          <a:p>
+            <a:fld id="{F5625870-E805-4CF3-80A9-C0BFBF7321FA}" type="slidenum">
+              <a:rPr lang="en-US" smtClean="0"/>
+              <a:t>8</a:t>
+            </a:fld>
+            <a:endParaRPr lang="en-US" dirty="0"/>
+          </a:p>
+        </p:txBody>
+      </p:sp>
+      <p:pic>
+        <p:nvPicPr>
+          <p:cNvPr id="5" name="Immagine 4" descr="Immagine che contiene tavolo, monitor, blu, sedendo&#10;&#10;Descrizione generata automaticamente">
+            <a:extLst>
+              <a:ext uri="{FF2B5EF4-FFF2-40B4-BE49-F238E27FC236}">
+                <a16:creationId xmlns:a16="http://schemas.microsoft.com/office/drawing/2014/main" id="{71A0A064-63AB-41B1-8622-7EABC759F3E6}"/>
+              </a:ext>
+            </a:extLst>
+          </p:cNvPr>
+          <p:cNvPicPr>
+            <a:picLocks noChangeAspect="1"/>
+          </p:cNvPicPr>
+          <p:nvPr/>
+        </p:nvPicPr>
+        <p:blipFill rotWithShape="1">
+          <a:blip r:embed="rId3">
+            <a:extLst>
+              <a:ext uri="{28A0092B-C50C-407E-A947-70E740481C1C}">
+                <a14:useLocalDpi xmlns:a14="http://schemas.microsoft.com/office/drawing/2010/main" val="0"/>
+              </a:ext>
+            </a:extLst>
+          </a:blip>
+          <a:srcRect b="8476"/>
+          <a:stretch/>
+        </p:blipFill>
+        <p:spPr>
+          <a:xfrm>
+            <a:off x="787092" y="1915885"/>
+            <a:ext cx="3316823" cy="4474029"/>
+          </a:xfrm>
+          <a:prstGeom prst="rect">
+            <a:avLst/>
+          </a:prstGeom>
+        </p:spPr>
+      </p:pic>
+      <p:sp>
+        <p:nvSpPr>
+          <p:cNvPr id="21" name="TextBox 37">
+            <a:extLst>
+              <a:ext uri="{FF2B5EF4-FFF2-40B4-BE49-F238E27FC236}">
+                <a16:creationId xmlns:a16="http://schemas.microsoft.com/office/drawing/2014/main" id="{F090414D-043E-4817-81A9-994E777FAA42}"/>
+              </a:ext>
+            </a:extLst>
+          </p:cNvPr>
+          <p:cNvSpPr txBox="1"/>
+          <p:nvPr/>
+        </p:nvSpPr>
+        <p:spPr>
+          <a:xfrm>
+            <a:off x="4664252" y="2490905"/>
+            <a:ext cx="3796998" cy="3323987"/>
+          </a:xfrm>
+          <a:prstGeom prst="rect">
+            <a:avLst/>
+          </a:prstGeom>
+          <a:noFill/>
+        </p:spPr>
+        <p:txBody>
+          <a:bodyPr wrap="square" rtlCol="0">
+            <a:spAutoFit/>
+          </a:bodyPr>
+          <a:lstStyle/>
+          <a:p>
+            <a:r>
+              <a:rPr lang="it-IT" sz="1400" dirty="0">
+                <a:solidFill>
+                  <a:schemeClr val="bg1">
+                    <a:lumMod val="65000"/>
+                  </a:schemeClr>
+                </a:solidFill>
                 <a:latin typeface="Raleway"/>
+                <a:ea typeface="Roboto Light" charset="0"/>
+                <a:cs typeface="Roboto Light" charset="0"/>
               </a:rPr>
-              <a:t>Caratteristiche salienti della progettazione</a:t>
+              <a:t>Questo sistema può avere un elevato impatto nel mondo.</a:t>
+            </a:r>
+          </a:p>
+          <a:p>
+            <a:r>
+              <a:rPr lang="it-IT" sz="1400" dirty="0">
+                <a:solidFill>
+                  <a:schemeClr val="bg1">
+                    <a:lumMod val="65000"/>
+                  </a:schemeClr>
+                </a:solidFill>
+                <a:latin typeface="Raleway"/>
+                <a:ea typeface="Roboto Light" charset="0"/>
+                <a:cs typeface="Roboto Light" charset="0"/>
+              </a:rPr>
+              <a:t>Le emozioni sono importanti dato che incidono direttamente sul nostro comportamento e sul nostro pensiero.</a:t>
+            </a:r>
+          </a:p>
+          <a:p>
+            <a:r>
+              <a:rPr lang="it-IT" sz="1400" dirty="0">
+                <a:solidFill>
+                  <a:schemeClr val="bg1">
+                    <a:lumMod val="65000"/>
+                  </a:schemeClr>
+                </a:solidFill>
+                <a:latin typeface="Raleway"/>
+                <a:ea typeface="Roboto Light" charset="0"/>
+                <a:cs typeface="Roboto Light" charset="0"/>
+              </a:rPr>
+              <a:t>Proprio per questo l’applicazione web può aiutare le persone ad aumentare l’intelligenza emotiva, cioè l’abilità umana di percepire, comprendere e regolare le emozioni proprie e di chi ci circonda. </a:t>
+            </a:r>
+          </a:p>
+          <a:p>
+            <a:r>
+              <a:rPr lang="it-IT" sz="1400" dirty="0">
+                <a:solidFill>
+                  <a:schemeClr val="bg1">
+                    <a:lumMod val="65000"/>
+                  </a:schemeClr>
+                </a:solidFill>
+                <a:latin typeface="Raleway"/>
+                <a:ea typeface="Roboto Light" charset="0"/>
+                <a:cs typeface="Roboto Light" charset="0"/>
+              </a:rPr>
+              <a:t>Inoltre, in particolare, può essere usato nel settore della pubblicità, in quanto, attraverso il sistema, è possibile studiare le emozioni di uno spettatore alla vista di una pubblicità. </a:t>
             </a:r>
           </a:p>
         </p:txBody>
@@ -14285,7 +15471,7 @@
     </p:spTree>
     <p:extLst>
       <p:ext uri="{BB962C8B-B14F-4D97-AF65-F5344CB8AC3E}">
-        <p14:creationId xmlns:p14="http://schemas.microsoft.com/office/powerpoint/2010/main" val="732298181"/>
+        <p14:creationId xmlns:p14="http://schemas.microsoft.com/office/powerpoint/2010/main" val="818662556"/>
       </p:ext>
     </p:extLst>
   </p:cSld>
@@ -14317,10 +15503,10 @@
       </p:grpSpPr>
       <p:sp>
         <p:nvSpPr>
-          <p:cNvPr id="5" name="Titolo 4">
+          <p:cNvPr id="2" name="Titolo 1">
             <a:extLst>
               <a:ext uri="{FF2B5EF4-FFF2-40B4-BE49-F238E27FC236}">
-                <a16:creationId xmlns:a16="http://schemas.microsoft.com/office/drawing/2014/main" id="{9C875C3B-F22C-4344-9DC1-A939398E9463}"/>
+                <a16:creationId xmlns:a16="http://schemas.microsoft.com/office/drawing/2014/main" id="{69A3425F-3989-434F-A102-94D7CFA49E57}"/>
               </a:ext>
             </a:extLst>
           </p:cNvPr>
@@ -14331,465 +15517,29 @@
             <p:ph type="title"/>
           </p:nvPr>
         </p:nvSpPr>
-        <p:spPr/>
+        <p:spPr>
+          <a:xfrm>
+            <a:off x="510663" y="2904478"/>
+            <a:ext cx="3943350" cy="1049044"/>
+          </a:xfrm>
+        </p:spPr>
         <p:txBody>
           <a:bodyPr/>
           <a:lstStyle/>
           <a:p>
             <a:r>
               <a:rPr lang="it-IT" dirty="0">
-                <a:latin typeface="Raleway" panose="020B0503030101060003" pitchFamily="34" charset="0"/>
+                <a:latin typeface="Raleway"/>
               </a:rPr>
-              <a:t>Oggetto </a:t>
-            </a:r>
-            <a:r>
-              <a:rPr lang="it-IT" dirty="0" err="1">
-                <a:latin typeface="Raleway" panose="020B0503030101060003" pitchFamily="34" charset="0"/>
-              </a:rPr>
-              <a:t>façade</a:t>
-            </a:r>
-            <a:r>
-              <a:rPr lang="it-IT" dirty="0">
-                <a:latin typeface="Raleway" panose="020B0503030101060003" pitchFamily="34" charset="0"/>
-              </a:rPr>
-              <a:t> per la gestione delle analisi</a:t>
-            </a:r>
-          </a:p>
-        </p:txBody>
-      </p:sp>
-      <p:sp>
-        <p:nvSpPr>
-          <p:cNvPr id="3" name="Segnaposto numero diapositiva 2">
-            <a:extLst>
-              <a:ext uri="{FF2B5EF4-FFF2-40B4-BE49-F238E27FC236}">
-                <a16:creationId xmlns:a16="http://schemas.microsoft.com/office/drawing/2014/main" id="{F95D5DB9-37AE-4E1C-A00F-B3A31DFEC6CC}"/>
-              </a:ext>
-            </a:extLst>
-          </p:cNvPr>
-          <p:cNvSpPr>
-            <a:spLocks noGrp="1"/>
-          </p:cNvSpPr>
-          <p:nvPr>
-            <p:ph type="sldNum" sz="quarter" idx="4"/>
-          </p:nvPr>
-        </p:nvSpPr>
-        <p:spPr/>
-        <p:txBody>
-          <a:bodyPr/>
-          <a:lstStyle/>
-          <a:p>
-            <a:fld id="{936C95AE-7298-45E1-9514-94AFF5BED89B}" type="slidenum">
-              <a:rPr lang="en-US" smtClean="0"/>
-              <a:pPr/>
-              <a:t>9</a:t>
-            </a:fld>
-            <a:endParaRPr lang="en-US" dirty="0"/>
-          </a:p>
-        </p:txBody>
-      </p:sp>
-      <p:sp>
-        <p:nvSpPr>
-          <p:cNvPr id="6" name="Titolo 1">
-            <a:extLst>
-              <a:ext uri="{FF2B5EF4-FFF2-40B4-BE49-F238E27FC236}">
-                <a16:creationId xmlns:a16="http://schemas.microsoft.com/office/drawing/2014/main" id="{BA907758-C83D-447A-8484-FE6423F0D184}"/>
-              </a:ext>
-            </a:extLst>
-          </p:cNvPr>
-          <p:cNvSpPr txBox="1">
-            <a:spLocks/>
-          </p:cNvSpPr>
-          <p:nvPr/>
-        </p:nvSpPr>
-        <p:spPr>
-          <a:xfrm>
-            <a:off x="395206" y="573317"/>
-            <a:ext cx="8422816" cy="431020"/>
-          </a:xfrm>
-          <a:prstGeom prst="rect">
-            <a:avLst/>
-          </a:prstGeom>
-        </p:spPr>
-        <p:txBody>
-          <a:bodyPr/>
-          <a:lstStyle>
-            <a:lvl1pPr algn="l" defTabSz="685783" rtl="0" eaLnBrk="1" latinLnBrk="0" hangingPunct="1">
-              <a:lnSpc>
-                <a:spcPct val="90000"/>
-              </a:lnSpc>
-              <a:spcBef>
-                <a:spcPct val="0"/>
-              </a:spcBef>
-              <a:buNone/>
-              <a:defRPr sz="3300" kern="1200">
-                <a:solidFill>
-                  <a:schemeClr val="tx1"/>
-                </a:solidFill>
-                <a:latin typeface="+mj-lt"/>
-                <a:ea typeface="+mj-ea"/>
-                <a:cs typeface="+mj-cs"/>
-              </a:defRPr>
-            </a:lvl1pPr>
-          </a:lstStyle>
-          <a:p>
-            <a:endParaRPr lang="it-IT" sz="1800" dirty="0">
-              <a:solidFill>
-                <a:schemeClr val="bg1"/>
-              </a:solidFill>
-              <a:latin typeface="Raleway" panose="020B0503030101060003"/>
-            </a:endParaRPr>
-          </a:p>
-        </p:txBody>
-      </p:sp>
-      <p:sp>
-        <p:nvSpPr>
-          <p:cNvPr id="19" name="TextBox 37">
-            <a:extLst>
-              <a:ext uri="{FF2B5EF4-FFF2-40B4-BE49-F238E27FC236}">
-                <a16:creationId xmlns:a16="http://schemas.microsoft.com/office/drawing/2014/main" id="{21E36742-719E-44B2-A053-6696AE06980A}"/>
-              </a:ext>
-            </a:extLst>
-          </p:cNvPr>
-          <p:cNvSpPr txBox="1"/>
-          <p:nvPr/>
-        </p:nvSpPr>
-        <p:spPr>
-          <a:xfrm>
-            <a:off x="4664252" y="2490905"/>
-            <a:ext cx="3796998" cy="2246769"/>
-          </a:xfrm>
-          <a:prstGeom prst="rect">
-            <a:avLst/>
-          </a:prstGeom>
-          <a:noFill/>
-        </p:spPr>
-        <p:txBody>
-          <a:bodyPr wrap="square" rtlCol="0">
-            <a:spAutoFit/>
-          </a:bodyPr>
-          <a:lstStyle/>
-          <a:p>
-            <a:r>
-              <a:rPr lang="it-IT" sz="1400" dirty="0">
-                <a:solidFill>
-                  <a:schemeClr val="bg1">
-                    <a:lumMod val="65000"/>
-                  </a:schemeClr>
-                </a:solidFill>
-                <a:latin typeface="Raleway"/>
-                <a:ea typeface="Roboto Light" charset="0"/>
-                <a:cs typeface="Roboto Light" charset="0"/>
-              </a:rPr>
-              <a:t>Si è progettato una classe </a:t>
-            </a:r>
-            <a:r>
-              <a:rPr lang="it-IT" sz="1400" dirty="0" err="1">
-                <a:solidFill>
-                  <a:schemeClr val="bg1">
-                    <a:lumMod val="65000"/>
-                  </a:schemeClr>
-                </a:solidFill>
-                <a:latin typeface="Raleway"/>
-                <a:ea typeface="Roboto Light" charset="0"/>
-                <a:cs typeface="Roboto Light" charset="0"/>
-              </a:rPr>
-              <a:t>façade</a:t>
-            </a:r>
-            <a:r>
-              <a:rPr lang="it-IT" sz="1400" dirty="0">
-                <a:solidFill>
-                  <a:schemeClr val="bg1">
-                    <a:lumMod val="65000"/>
-                  </a:schemeClr>
-                </a:solidFill>
-                <a:latin typeface="Raleway"/>
-                <a:ea typeface="Roboto Light" charset="0"/>
-                <a:cs typeface="Roboto Light" charset="0"/>
-              </a:rPr>
-              <a:t> che semplifica drasticamente l’interfacciamento al motore di intelligenza artificiale.</a:t>
-            </a:r>
-          </a:p>
-          <a:p>
-            <a:endParaRPr lang="it-IT" sz="1400" dirty="0">
-              <a:solidFill>
-                <a:schemeClr val="bg1">
-                  <a:lumMod val="65000"/>
-                </a:schemeClr>
-              </a:solidFill>
-              <a:latin typeface="Raleway"/>
-              <a:ea typeface="Roboto Light" charset="0"/>
-              <a:cs typeface="Roboto Light" charset="0"/>
-            </a:endParaRPr>
-          </a:p>
-          <a:p>
-            <a:r>
-              <a:rPr lang="it-IT" sz="1400" dirty="0">
-                <a:solidFill>
-                  <a:schemeClr val="bg1">
-                    <a:lumMod val="65000"/>
-                  </a:schemeClr>
-                </a:solidFill>
-                <a:latin typeface="Raleway"/>
-                <a:ea typeface="Roboto Light" charset="0"/>
-                <a:cs typeface="Roboto Light" charset="0"/>
-              </a:rPr>
-              <a:t>Questa classe introduce inoltre una indipendenza dalle API usate per l’analisi dei video tale da permettere di modificare l’intera componente di analisi senza apportare la benché minima modifica in altre porzioni del sistema.</a:t>
-            </a:r>
-          </a:p>
-        </p:txBody>
-      </p:sp>
-      <p:graphicFrame>
-        <p:nvGraphicFramePr>
-          <p:cNvPr id="11" name="Tabella 11">
-            <a:extLst>
-              <a:ext uri="{FF2B5EF4-FFF2-40B4-BE49-F238E27FC236}">
-                <a16:creationId xmlns:a16="http://schemas.microsoft.com/office/drawing/2014/main" id="{FF382478-B1BA-4DF2-A792-F7FDCC6C7E51}"/>
-              </a:ext>
-            </a:extLst>
-          </p:cNvPr>
-          <p:cNvGraphicFramePr>
-            <a:graphicFrameLocks noGrp="1"/>
-          </p:cNvGraphicFramePr>
-          <p:nvPr>
-            <p:extLst>
-              <p:ext uri="{D42A27DB-BD31-4B8C-83A1-F6EECF244321}">
-                <p14:modId xmlns:p14="http://schemas.microsoft.com/office/powerpoint/2010/main" val="2990224573"/>
-              </p:ext>
-            </p:extLst>
-          </p:nvPr>
-        </p:nvGraphicFramePr>
-        <p:xfrm>
-          <a:off x="787092" y="2136941"/>
-          <a:ext cx="3316823" cy="2954695"/>
-        </p:xfrm>
-        <a:graphic>
-          <a:graphicData uri="http://schemas.openxmlformats.org/drawingml/2006/table">
-            <a:tbl>
-              <a:tblPr firstRow="1" bandRow="1">
-                <a:tableStyleId>{2A488322-F2BA-4B5B-9748-0D474271808F}</a:tableStyleId>
-              </a:tblPr>
-              <a:tblGrid>
-                <a:gridCol w="3316823">
-                  <a:extLst>
-                    <a:ext uri="{9D8B030D-6E8A-4147-A177-3AD203B41FA5}">
-                      <a16:colId xmlns:a16="http://schemas.microsoft.com/office/drawing/2014/main" val="2962093592"/>
-                    </a:ext>
-                  </a:extLst>
-                </a:gridCol>
-              </a:tblGrid>
-              <a:tr h="408122">
-                <a:tc>
-                  <a:txBody>
-                    <a:bodyPr/>
-                    <a:lstStyle/>
-                    <a:p>
-                      <a:pPr algn="ctr"/>
-                      <a:r>
-                        <a:rPr lang="it-IT" dirty="0" err="1">
-                          <a:latin typeface="Raleway" panose="020B0503030101060003" pitchFamily="34" charset="0"/>
-                        </a:rPr>
-                        <a:t>EmotionAnalysis</a:t>
-                      </a:r>
-                      <a:endParaRPr lang="it-IT" dirty="0">
-                        <a:latin typeface="Raleway" panose="020B0503030101060003" pitchFamily="34" charset="0"/>
-                      </a:endParaRPr>
-                    </a:p>
-                  </a:txBody>
-                  <a:tcPr>
-                    <a:solidFill>
-                      <a:srgbClr val="FF9800"/>
-                    </a:solidFill>
-                  </a:tcPr>
-                </a:tc>
-                <a:extLst>
-                  <a:ext uri="{0D108BD9-81ED-4DB2-BD59-A6C34878D82A}">
-                    <a16:rowId xmlns:a16="http://schemas.microsoft.com/office/drawing/2014/main" val="2077286832"/>
-                  </a:ext>
-                </a:extLst>
-              </a:tr>
-              <a:tr h="408122">
-                <a:tc>
-                  <a:txBody>
-                    <a:bodyPr/>
-                    <a:lstStyle/>
-                    <a:p>
-                      <a:r>
-                        <a:rPr lang="it-IT" u="sng" dirty="0"/>
-                        <a:t>+ </a:t>
-                      </a:r>
-                      <a:r>
-                        <a:rPr lang="it-IT" u="sng" dirty="0" err="1"/>
-                        <a:t>FaceMode</a:t>
-                      </a:r>
-                      <a:r>
-                        <a:rPr lang="it-IT" u="sng" dirty="0"/>
-                        <a:t> : </a:t>
-                      </a:r>
-                      <a:r>
-                        <a:rPr lang="it-IT" u="sng" dirty="0" err="1"/>
-                        <a:t>enum</a:t>
-                      </a:r>
-                      <a:endParaRPr lang="it-IT" u="sng" dirty="0">
-                        <a:latin typeface="Raleway" panose="020B0503030101060003" pitchFamily="34" charset="0"/>
-                      </a:endParaRPr>
-                    </a:p>
-                  </a:txBody>
-                  <a:tcPr/>
-                </a:tc>
-                <a:extLst>
-                  <a:ext uri="{0D108BD9-81ED-4DB2-BD59-A6C34878D82A}">
-                    <a16:rowId xmlns:a16="http://schemas.microsoft.com/office/drawing/2014/main" val="4019197409"/>
-                  </a:ext>
-                </a:extLst>
-              </a:tr>
-              <a:tr h="2138451">
-                <a:tc>
-                  <a:txBody>
-                    <a:bodyPr/>
-                    <a:lstStyle/>
-                    <a:p>
-                      <a:r>
-                        <a:rPr lang="it-IT" u="sng" dirty="0"/>
-                        <a:t>+ </a:t>
-                      </a:r>
-                      <a:r>
-                        <a:rPr lang="it-IT" u="sng" dirty="0" err="1"/>
-                        <a:t>getDefaultConfiguration</a:t>
-                      </a:r>
-                      <a:r>
-                        <a:rPr lang="it-IT" u="sng" dirty="0"/>
-                        <a:t>() : Object</a:t>
-                      </a:r>
-                    </a:p>
-                    <a:p>
-                      <a:r>
-                        <a:rPr lang="it-IT" u="sng" dirty="0"/>
-                        <a:t>+ </a:t>
-                      </a:r>
-                      <a:r>
-                        <a:rPr lang="it-IT" u="sng" dirty="0" err="1"/>
-                        <a:t>analyzeVideo</a:t>
-                      </a:r>
-                      <a:r>
-                        <a:rPr lang="it-IT" u="sng" dirty="0"/>
-                        <a:t>(</a:t>
-                      </a:r>
-                      <a:r>
-                        <a:rPr lang="it-IT" u="sng" dirty="0" err="1"/>
-                        <a:t>filename</a:t>
-                      </a:r>
-                      <a:r>
-                        <a:rPr lang="it-IT" u="sng" dirty="0"/>
-                        <a:t> : </a:t>
-                      </a:r>
-                      <a:r>
-                        <a:rPr lang="it-IT" u="sng" dirty="0" err="1"/>
-                        <a:t>String</a:t>
-                      </a:r>
-                      <a:r>
-                        <a:rPr lang="it-IT" u="sng" dirty="0"/>
-                        <a:t>, </a:t>
-                      </a:r>
-                      <a:r>
-                        <a:rPr lang="it-IT" u="sng" dirty="0" err="1"/>
-                        <a:t>callback</a:t>
-                      </a:r>
-                      <a:r>
-                        <a:rPr lang="it-IT" u="sng" dirty="0"/>
-                        <a:t> : </a:t>
-                      </a:r>
-                      <a:r>
-                        <a:rPr lang="it-IT" u="sng" dirty="0" err="1"/>
-                        <a:t>Callback</a:t>
-                      </a:r>
-                      <a:r>
-                        <a:rPr lang="it-IT" u="sng" dirty="0"/>
-                        <a:t>, options: Object) : </a:t>
-                      </a:r>
-                      <a:r>
-                        <a:rPr lang="it-IT" u="sng" dirty="0" err="1"/>
-                        <a:t>void</a:t>
-                      </a:r>
-                      <a:endParaRPr lang="it-IT" u="sng" dirty="0"/>
-                    </a:p>
-                    <a:p>
-                      <a:r>
-                        <a:rPr lang="it-IT" u="sng" dirty="0"/>
-                        <a:t>+ </a:t>
-                      </a:r>
-                      <a:r>
-                        <a:rPr lang="it-IT" u="sng" dirty="0" err="1"/>
-                        <a:t>analyzeCamera</a:t>
-                      </a:r>
-                      <a:r>
-                        <a:rPr lang="it-IT" u="sng" dirty="0"/>
-                        <a:t>(</a:t>
-                      </a:r>
-                      <a:r>
-                        <a:rPr lang="it-IT" u="sng" dirty="0" err="1"/>
-                        <a:t>callback</a:t>
-                      </a:r>
-                      <a:r>
-                        <a:rPr lang="it-IT" u="sng" dirty="0"/>
-                        <a:t> : </a:t>
-                      </a:r>
-                      <a:r>
-                        <a:rPr lang="it-IT" u="sng" dirty="0" err="1"/>
-                        <a:t>Callback</a:t>
-                      </a:r>
-                      <a:r>
-                        <a:rPr lang="it-IT" u="sng" dirty="0"/>
-                        <a:t>, options : Object) : Object</a:t>
-                      </a:r>
-                    </a:p>
-                    <a:p>
-                      <a:r>
-                        <a:rPr lang="it-IT" u="sng" dirty="0"/>
-                        <a:t>+ </a:t>
-                      </a:r>
-                      <a:r>
-                        <a:rPr lang="it-IT" u="sng" dirty="0" err="1"/>
-                        <a:t>average</a:t>
-                      </a:r>
-                      <a:r>
-                        <a:rPr lang="it-IT" u="sng" dirty="0"/>
-                        <a:t>(reports : Object) : Object</a:t>
-                      </a:r>
-                    </a:p>
-                    <a:p>
-                      <a:r>
-                        <a:rPr lang="it-IT" u="sng" dirty="0"/>
-                        <a:t>+ </a:t>
-                      </a:r>
-                      <a:r>
-                        <a:rPr lang="it-IT" u="sng" dirty="0" err="1"/>
-                        <a:t>getEmotionValues</a:t>
-                      </a:r>
-                      <a:r>
-                        <a:rPr lang="it-IT" u="sng" dirty="0"/>
-                        <a:t>(report : Object | Object[]) : Object | Object[]</a:t>
-                      </a:r>
-                      <a:endParaRPr lang="it-IT" u="sng" dirty="0">
-                        <a:latin typeface="Raleway" panose="020B0503030101060003" pitchFamily="34" charset="0"/>
-                      </a:endParaRPr>
-                    </a:p>
-                  </a:txBody>
-                  <a:tcPr/>
-                </a:tc>
-                <a:extLst>
-                  <a:ext uri="{0D108BD9-81ED-4DB2-BD59-A6C34878D82A}">
-                    <a16:rowId xmlns:a16="http://schemas.microsoft.com/office/drawing/2014/main" val="1133712720"/>
-                  </a:ext>
-                </a:extLst>
-              </a:tr>
-            </a:tbl>
-          </a:graphicData>
-        </a:graphic>
-      </p:graphicFrame>
+              <a:t>Caratteristiche salienti della progettazione</a:t>
+            </a:r>
+          </a:p>
+        </p:txBody>
+      </p:sp>
     </p:spTree>
     <p:extLst>
       <p:ext uri="{BB962C8B-B14F-4D97-AF65-F5344CB8AC3E}">
-        <p14:creationId xmlns:p14="http://schemas.microsoft.com/office/powerpoint/2010/main" val="2985701101"/>
+        <p14:creationId xmlns:p14="http://schemas.microsoft.com/office/powerpoint/2010/main" val="732298181"/>
       </p:ext>
     </p:extLst>
   </p:cSld>
